--- a/06-최종산출물/AWS구성도/AWS 구성도 ver 0.5.pptx
+++ b/06-최종산출물/AWS구성도/AWS 구성도 ver 0.5.pptx
@@ -209,7 +209,7 @@
               <a:pPr lvl="0">
                 <a:defRPr/>
               </a:pPr>
-              <a:t>2022-03-25</a:t>
+              <a:t>2022-04-19</a:t>
             </a:fld>
             <a:endParaRPr lang="ko-KR" altLang="en-US"/>
           </a:p>
@@ -537,7 +537,7 @@
           <a:bodyPr/>
           <a:lstStyle/>
           <a:p>
-            <a:pPr>
+            <a:pPr lvl="0">
               <a:defRPr/>
             </a:pPr>
             <a:endParaRPr lang="en-US" altLang="ko-KR"/>
@@ -559,7 +559,7 @@
           <a:bodyPr/>
           <a:lstStyle/>
           <a:p>
-            <a:pPr>
+            <a:pPr lvl="0">
               <a:defRPr/>
             </a:pPr>
             <a:r>
@@ -5209,7 +5209,7 @@
 </file>
 
 <file path=ppt/slides/slide5.xml><?xml version="1.0" encoding="utf-8"?>
-<p:sld xmlns:a="http://schemas.openxmlformats.org/drawingml/2006/main" xmlns:r="http://schemas.openxmlformats.org/officeDocument/2006/relationships" xmlns:p="http://schemas.openxmlformats.org/presentationml/2006/main">
+<p:sld xmlns:r="http://schemas.openxmlformats.org/officeDocument/2006/relationships" xmlns:c="http://schemas.openxmlformats.org/drawingml/2006/chart" xmlns:a="http://schemas.openxmlformats.org/drawingml/2006/main" xmlns:dgm="http://schemas.openxmlformats.org/drawingml/2006/diagram" xmlns:dsp="http://schemas.microsoft.com/office/drawing/2008/diagram" xmlns:p="http://schemas.openxmlformats.org/presentationml/2006/main">
   <p:cSld>
     <p:spTree>
       <p:nvGrpSpPr>
@@ -5228,25 +5228,24 @@
       <p:sp>
         <p:nvSpPr>
           <p:cNvPr id="53" name="Rect 0"/>
-          <p:cNvSpPr>
-            <a:spLocks/>
-          </p:cNvSpPr>
+          <p:cNvSpPr/>
           <p:nvPr/>
         </p:nvSpPr>
         <p:spPr>
-          <a:xfrm rot="0">
+          <a:xfrm>
             <a:off x="9140825" y="3507740"/>
             <a:ext cx="2070100" cy="797560"/>
           </a:xfrm>
-          <a:prstGeom prst="rect"/>
+          <a:prstGeom prst="rect">
+            <a:avLst/>
+          </a:prstGeom>
           <a:solidFill>
-            <a:srgbClr val="007CBC">
-              <a:alpha val="8635"/>
+            <a:srgbClr val="007cbc">
+              <a:alpha val="8640"/>
             </a:srgbClr>
           </a:solidFill>
           <a:ln w="0">
             <a:noFill/>
-            <a:prstDash/>
           </a:ln>
         </p:spPr>
         <p:style>
@@ -5266,11 +5265,11 @@
           </a:fontRef>
         </p:style>
         <p:txBody>
-          <a:bodyPr wrap="square" lIns="502920" tIns="45720" rIns="91440" bIns="45720" numCol="1" vert="horz" anchor="t">
+          <a:bodyPr vert="horz" wrap="square" lIns="502920" tIns="45720" rIns="91440" bIns="45720" anchor="t">
             <a:noAutofit/>
           </a:bodyPr>
           <a:lstStyle>
-            <a:lvl1pPr marL="0" indent="0" algn="l" fontAlgn="base" defTabSz="508000" eaLnBrk="0" hangingPunct="0">
+            <a:lvl1pPr marL="0" indent="0" algn="l" defTabSz="508000" eaLnBrk="0" fontAlgn="base" hangingPunct="0">
               <a:spcBef>
                 <a:spcPct val="0"/>
               </a:spcBef>
@@ -5288,7 +5287,7 @@
                 <a:cs typeface="+mn-cs"/>
               </a:defRPr>
             </a:lvl1pPr>
-            <a:lvl2pPr marL="457200" indent="0" algn="l" fontAlgn="base" defTabSz="508000" eaLnBrk="0" hangingPunct="0">
+            <a:lvl2pPr marL="457200" indent="0" algn="l" defTabSz="508000" eaLnBrk="0" fontAlgn="base" hangingPunct="0">
               <a:spcBef>
                 <a:spcPct val="0"/>
               </a:spcBef>
@@ -5306,7 +5305,7 @@
                 <a:cs typeface="+mn-cs"/>
               </a:defRPr>
             </a:lvl2pPr>
-            <a:lvl3pPr marL="914400" indent="0" algn="l" fontAlgn="base" defTabSz="508000" eaLnBrk="0" hangingPunct="0">
+            <a:lvl3pPr marL="914400" indent="0" algn="l" defTabSz="508000" eaLnBrk="0" fontAlgn="base" hangingPunct="0">
               <a:spcBef>
                 <a:spcPct val="0"/>
               </a:spcBef>
@@ -5324,7 +5323,7 @@
                 <a:cs typeface="+mn-cs"/>
               </a:defRPr>
             </a:lvl3pPr>
-            <a:lvl4pPr marL="1371600" indent="0" algn="l" fontAlgn="base" defTabSz="508000" eaLnBrk="0" hangingPunct="0">
+            <a:lvl4pPr marL="1371600" indent="0" algn="l" defTabSz="508000" eaLnBrk="0" fontAlgn="base" hangingPunct="0">
               <a:spcBef>
                 <a:spcPct val="0"/>
               </a:spcBef>
@@ -5342,7 +5341,7 @@
                 <a:cs typeface="+mn-cs"/>
               </a:defRPr>
             </a:lvl4pPr>
-            <a:lvl5pPr marL="1828800" indent="0" algn="l" fontAlgn="base" defTabSz="508000" eaLnBrk="0" hangingPunct="0">
+            <a:lvl5pPr marL="1828800" indent="0" algn="l" defTabSz="508000" eaLnBrk="0" fontAlgn="base" hangingPunct="0">
               <a:spcBef>
                 <a:spcPct val="0"/>
               </a:spcBef>
@@ -5410,7 +5409,7 @@
             </a:lvl9pPr>
           </a:lstStyle>
           <a:p>
-            <a:pPr marL="0" indent="0" fontAlgn="auto" defTabSz="508000" eaLnBrk="1" hangingPunct="1">
+            <a:pPr marL="0" lvl="0" indent="0" defTabSz="508000" eaLnBrk="1" hangingPunct="1">
               <a:spcBef>
                 <a:spcPts val="0"/>
               </a:spcBef>
@@ -5424,21 +5423,21 @@
             <a:r>
               <a:rPr lang="en-US" sz="1200">
                 <a:solidFill>
-                  <a:srgbClr val="5B9CD5"/>
-                </a:solidFill>
-                <a:latin typeface="Arial" charset="0"/>
-                <a:ea typeface="Arial" charset="0"/>
-                <a:cs typeface="Arial" charset="0"/>
+                  <a:srgbClr val="5b9cd5"/>
+                </a:solidFill>
+                <a:latin typeface="Arial"/>
+                <a:ea typeface="Arial"/>
+                <a:cs typeface="Arial"/>
               </a:rPr>
               <a:t>Private subnet</a:t>
             </a:r>
             <a:endParaRPr lang="ko-KR" altLang="en-US" sz="1200">
               <a:solidFill>
-                <a:srgbClr val="5B9CD5"/>
+                <a:srgbClr val="5b9cd5"/>
               </a:solidFill>
-              <a:latin typeface="Arial" charset="0"/>
-              <a:ea typeface="Arial" charset="0"/>
-              <a:cs typeface="Arial" charset="0"/>
+              <a:latin typeface="Arial"/>
+              <a:ea typeface="Arial"/>
+              <a:cs typeface="Arial"/>
             </a:endParaRPr>
           </a:p>
         </p:txBody>
@@ -5446,25 +5445,24 @@
       <p:sp>
         <p:nvSpPr>
           <p:cNvPr id="51" name="Rect 0"/>
-          <p:cNvSpPr>
-            <a:spLocks/>
-          </p:cNvSpPr>
+          <p:cNvSpPr/>
           <p:nvPr/>
         </p:nvSpPr>
         <p:spPr>
-          <a:xfrm rot="0">
+          <a:xfrm>
             <a:off x="9140825" y="1976755"/>
             <a:ext cx="2070100" cy="802005"/>
           </a:xfrm>
-          <a:prstGeom prst="rect"/>
+          <a:prstGeom prst="rect">
+            <a:avLst/>
+          </a:prstGeom>
           <a:solidFill>
-            <a:srgbClr val="007CBC">
-              <a:alpha val="8635"/>
+            <a:srgbClr val="007cbc">
+              <a:alpha val="8640"/>
             </a:srgbClr>
           </a:solidFill>
           <a:ln w="0">
             <a:noFill/>
-            <a:prstDash/>
           </a:ln>
         </p:spPr>
         <p:style>
@@ -5484,11 +5482,11 @@
           </a:fontRef>
         </p:style>
         <p:txBody>
-          <a:bodyPr wrap="square" lIns="502920" tIns="45720" rIns="91440" bIns="45720" numCol="1" vert="horz" anchor="t">
+          <a:bodyPr vert="horz" wrap="square" lIns="502920" tIns="45720" rIns="91440" bIns="45720" anchor="t">
             <a:noAutofit/>
           </a:bodyPr>
           <a:lstStyle>
-            <a:lvl1pPr marL="0" indent="0" algn="l" fontAlgn="base" defTabSz="508000" eaLnBrk="0" hangingPunct="0">
+            <a:lvl1pPr marL="0" indent="0" algn="l" defTabSz="508000" eaLnBrk="0" fontAlgn="base" hangingPunct="0">
               <a:spcBef>
                 <a:spcPct val="0"/>
               </a:spcBef>
@@ -5506,7 +5504,7 @@
                 <a:cs typeface="+mn-cs"/>
               </a:defRPr>
             </a:lvl1pPr>
-            <a:lvl2pPr marL="457200" indent="0" algn="l" fontAlgn="base" defTabSz="508000" eaLnBrk="0" hangingPunct="0">
+            <a:lvl2pPr marL="457200" indent="0" algn="l" defTabSz="508000" eaLnBrk="0" fontAlgn="base" hangingPunct="0">
               <a:spcBef>
                 <a:spcPct val="0"/>
               </a:spcBef>
@@ -5524,7 +5522,7 @@
                 <a:cs typeface="+mn-cs"/>
               </a:defRPr>
             </a:lvl2pPr>
-            <a:lvl3pPr marL="914400" indent="0" algn="l" fontAlgn="base" defTabSz="508000" eaLnBrk="0" hangingPunct="0">
+            <a:lvl3pPr marL="914400" indent="0" algn="l" defTabSz="508000" eaLnBrk="0" fontAlgn="base" hangingPunct="0">
               <a:spcBef>
                 <a:spcPct val="0"/>
               </a:spcBef>
@@ -5542,7 +5540,7 @@
                 <a:cs typeface="+mn-cs"/>
               </a:defRPr>
             </a:lvl3pPr>
-            <a:lvl4pPr marL="1371600" indent="0" algn="l" fontAlgn="base" defTabSz="508000" eaLnBrk="0" hangingPunct="0">
+            <a:lvl4pPr marL="1371600" indent="0" algn="l" defTabSz="508000" eaLnBrk="0" fontAlgn="base" hangingPunct="0">
               <a:spcBef>
                 <a:spcPct val="0"/>
               </a:spcBef>
@@ -5560,7 +5558,7 @@
                 <a:cs typeface="+mn-cs"/>
               </a:defRPr>
             </a:lvl4pPr>
-            <a:lvl5pPr marL="1828800" indent="0" algn="l" fontAlgn="base" defTabSz="508000" eaLnBrk="0" hangingPunct="0">
+            <a:lvl5pPr marL="1828800" indent="0" algn="l" defTabSz="508000" eaLnBrk="0" fontAlgn="base" hangingPunct="0">
               <a:spcBef>
                 <a:spcPct val="0"/>
               </a:spcBef>
@@ -5628,7 +5626,7 @@
             </a:lvl9pPr>
           </a:lstStyle>
           <a:p>
-            <a:pPr marL="0" indent="0" fontAlgn="auto" defTabSz="508000" eaLnBrk="1" hangingPunct="1">
+            <a:pPr marL="0" lvl="0" indent="0" defTabSz="508000" eaLnBrk="1" hangingPunct="1">
               <a:spcBef>
                 <a:spcPts val="0"/>
               </a:spcBef>
@@ -5642,21 +5640,21 @@
             <a:r>
               <a:rPr lang="en-US" sz="1200">
                 <a:solidFill>
-                  <a:srgbClr val="5B9CD5"/>
-                </a:solidFill>
-                <a:latin typeface="Arial" charset="0"/>
-                <a:ea typeface="Arial" charset="0"/>
-                <a:cs typeface="Arial" charset="0"/>
+                  <a:srgbClr val="5b9cd5"/>
+                </a:solidFill>
+                <a:latin typeface="Arial"/>
+                <a:ea typeface="Arial"/>
+                <a:cs typeface="Arial"/>
               </a:rPr>
               <a:t>Private subnet</a:t>
             </a:r>
             <a:endParaRPr lang="ko-KR" altLang="en-US" sz="1200">
               <a:solidFill>
-                <a:srgbClr val="5B9CD5"/>
+                <a:srgbClr val="5b9cd5"/>
               </a:solidFill>
-              <a:latin typeface="Arial" charset="0"/>
-              <a:ea typeface="Arial" charset="0"/>
-              <a:cs typeface="Arial" charset="0"/>
+              <a:latin typeface="Arial"/>
+              <a:ea typeface="Arial"/>
+              <a:cs typeface="Arial"/>
             </a:endParaRPr>
           </a:p>
         </p:txBody>
@@ -5670,28 +5668,23 @@
           <p:nvPr/>
         </p:nvPicPr>
         <p:blipFill rotWithShape="1">
-          <a:blip r:embed="rId2" cstate="print">
-            <a:extLst>
-              <a:ext uri="{28A0092B-C50C-407E-A947-70E740481C1C}">
-                <a14:useLocalDpi xmlns:a14="http://schemas.microsoft.com/office/drawing/2010/main" val="0"/>
-              </a:ext>
-            </a:extLst>
-          </a:blip>
+          <a:blip r:embed="rId2"/>
           <a:srcRect/>
           <a:stretch>
             <a:fillRect/>
           </a:stretch>
         </p:blipFill>
-        <p:spPr bwMode="auto">
-          <a:xfrm rot="0" flipH="1">
+        <p:spPr>
+          <a:xfrm flipH="1">
             <a:off x="749935" y="1104265"/>
             <a:ext cx="360680" cy="360680"/>
           </a:xfrm>
-          <a:prstGeom prst="rect"/>
+          <a:prstGeom prst="rect">
+            <a:avLst/>
+          </a:prstGeom>
           <a:noFill/>
           <a:ln w="0">
             <a:noFill/>
-            <a:prstDash/>
           </a:ln>
         </p:spPr>
       </p:pic>
@@ -5704,28 +5697,23 @@
           <p:nvPr/>
         </p:nvPicPr>
         <p:blipFill rotWithShape="1">
-          <a:blip r:embed="rId3" cstate="print">
-            <a:extLst>
-              <a:ext uri="{28A0092B-C50C-407E-A947-70E740481C1C}">
-                <a14:useLocalDpi xmlns:a14="http://schemas.microsoft.com/office/drawing/2010/main" val="0"/>
-              </a:ext>
-            </a:extLst>
-          </a:blip>
+          <a:blip r:embed="rId3"/>
           <a:srcRect/>
           <a:stretch>
             <a:fillRect/>
           </a:stretch>
         </p:blipFill>
-        <p:spPr bwMode="auto">
-          <a:xfrm rot="0">
+        <p:spPr>
+          <a:xfrm>
             <a:off x="754380" y="2306955"/>
             <a:ext cx="360680" cy="360680"/>
           </a:xfrm>
-          <a:prstGeom prst="rect"/>
+          <a:prstGeom prst="rect">
+            <a:avLst/>
+          </a:prstGeom>
           <a:noFill/>
           <a:ln w="0">
             <a:noFill/>
-            <a:prstDash/>
           </a:ln>
         </p:spPr>
       </p:pic>
@@ -5738,45 +5726,40 @@
           <p:nvPr/>
         </p:nvPicPr>
         <p:blipFill rotWithShape="1">
-          <a:blip r:embed="rId4" cstate="print">
-            <a:extLst>
-              <a:ext uri="{28A0092B-C50C-407E-A947-70E740481C1C}">
-                <a14:useLocalDpi xmlns:a14="http://schemas.microsoft.com/office/drawing/2010/main" val="0"/>
-              </a:ext>
-            </a:extLst>
-          </a:blip>
+          <a:blip r:embed="rId4"/>
           <a:srcRect/>
           <a:stretch>
             <a:fillRect/>
           </a:stretch>
         </p:blipFill>
-        <p:spPr bwMode="auto">
-          <a:xfrm rot="0">
+        <p:spPr>
+          <a:xfrm>
             <a:off x="662940" y="5704205"/>
             <a:ext cx="360680" cy="360680"/>
           </a:xfrm>
-          <a:prstGeom prst="rect"/>
+          <a:prstGeom prst="rect">
+            <a:avLst/>
+          </a:prstGeom>
           <a:noFill/>
           <a:ln w="0">
             <a:noFill/>
-            <a:prstDash/>
           </a:ln>
         </p:spPr>
       </p:pic>
       <p:sp>
         <p:nvSpPr>
           <p:cNvPr id="7" name="Rect 0"/>
-          <p:cNvSpPr>
-            <a:spLocks/>
-          </p:cNvSpPr>
+          <p:cNvSpPr/>
           <p:nvPr/>
         </p:nvSpPr>
         <p:spPr>
-          <a:xfrm rot="0">
+          <a:xfrm>
             <a:off x="1800860" y="415290"/>
             <a:ext cx="10140950" cy="6309995"/>
           </a:xfrm>
-          <a:prstGeom prst="rect"/>
+          <a:prstGeom prst="rect">
+            <a:avLst/>
+          </a:prstGeom>
           <a:noFill/>
           <a:ln w="12700" cap="flat" cmpd="sng">
             <a:solidFill>
@@ -5804,11 +5787,11 @@
           </a:fontRef>
         </p:style>
         <p:txBody>
-          <a:bodyPr wrap="square" lIns="502920" tIns="91440" rIns="91440" bIns="45720" numCol="1" vert="horz" anchor="t">
+          <a:bodyPr vert="horz" wrap="square" lIns="502920" tIns="91440" rIns="91440" bIns="45720" anchor="t">
             <a:noAutofit/>
           </a:bodyPr>
           <a:lstStyle>
-            <a:lvl1pPr marL="0" indent="0" algn="l" fontAlgn="base" defTabSz="508000" eaLnBrk="0" hangingPunct="0">
+            <a:lvl1pPr marL="0" indent="0" algn="l" defTabSz="508000" eaLnBrk="0" fontAlgn="base" hangingPunct="0">
               <a:spcBef>
                 <a:spcPct val="0"/>
               </a:spcBef>
@@ -5826,7 +5809,7 @@
                 <a:cs typeface="+mn-cs"/>
               </a:defRPr>
             </a:lvl1pPr>
-            <a:lvl2pPr marL="457200" indent="0" algn="l" fontAlgn="base" defTabSz="508000" eaLnBrk="0" hangingPunct="0">
+            <a:lvl2pPr marL="457200" indent="0" algn="l" defTabSz="508000" eaLnBrk="0" fontAlgn="base" hangingPunct="0">
               <a:spcBef>
                 <a:spcPct val="0"/>
               </a:spcBef>
@@ -5844,7 +5827,7 @@
                 <a:cs typeface="+mn-cs"/>
               </a:defRPr>
             </a:lvl2pPr>
-            <a:lvl3pPr marL="914400" indent="0" algn="l" fontAlgn="base" defTabSz="508000" eaLnBrk="0" hangingPunct="0">
+            <a:lvl3pPr marL="914400" indent="0" algn="l" defTabSz="508000" eaLnBrk="0" fontAlgn="base" hangingPunct="0">
               <a:spcBef>
                 <a:spcPct val="0"/>
               </a:spcBef>
@@ -5862,7 +5845,7 @@
                 <a:cs typeface="+mn-cs"/>
               </a:defRPr>
             </a:lvl3pPr>
-            <a:lvl4pPr marL="1371600" indent="0" algn="l" fontAlgn="base" defTabSz="508000" eaLnBrk="0" hangingPunct="0">
+            <a:lvl4pPr marL="1371600" indent="0" algn="l" defTabSz="508000" eaLnBrk="0" fontAlgn="base" hangingPunct="0">
               <a:spcBef>
                 <a:spcPct val="0"/>
               </a:spcBef>
@@ -5880,7 +5863,7 @@
                 <a:cs typeface="+mn-cs"/>
               </a:defRPr>
             </a:lvl4pPr>
-            <a:lvl5pPr marL="1828800" indent="0" algn="l" fontAlgn="base" defTabSz="508000" eaLnBrk="0" hangingPunct="0">
+            <a:lvl5pPr marL="1828800" indent="0" algn="l" defTabSz="508000" eaLnBrk="0" fontAlgn="base" hangingPunct="0">
               <a:spcBef>
                 <a:spcPct val="0"/>
               </a:spcBef>
@@ -5948,7 +5931,7 @@
             </a:lvl9pPr>
           </a:lstStyle>
           <a:p>
-            <a:pPr marL="0" indent="0" fontAlgn="auto" defTabSz="508000" eaLnBrk="1" hangingPunct="1">
+            <a:pPr marL="0" lvl="0" indent="0" defTabSz="508000" eaLnBrk="1" hangingPunct="1">
               <a:spcBef>
                 <a:spcPts val="0"/>
               </a:spcBef>
@@ -5964,9 +5947,9 @@
                 <a:solidFill>
                   <a:srgbClr val="000000"/>
                 </a:solidFill>
-                <a:latin typeface="Arial" charset="0"/>
-                <a:ea typeface="Arial" charset="0"/>
-                <a:cs typeface="Arial" charset="0"/>
+                <a:latin typeface="Arial"/>
+                <a:ea typeface="Arial"/>
+                <a:cs typeface="Arial"/>
               </a:rPr>
               <a:t>AWS Cloud</a:t>
             </a:r>
@@ -5974,9 +5957,9 @@
               <a:solidFill>
                 <a:srgbClr val="000000"/>
               </a:solidFill>
-              <a:latin typeface="Arial" charset="0"/>
-              <a:ea typeface="Arial" charset="0"/>
-              <a:cs typeface="Arial" charset="0"/>
+              <a:latin typeface="Arial"/>
+              <a:ea typeface="Arial"/>
+              <a:cs typeface="Arial"/>
             </a:endParaRPr>
           </a:p>
         </p:txBody>
@@ -5990,45 +5973,41 @@
           <p:nvPr/>
         </p:nvPicPr>
         <p:blipFill rotWithShape="1">
-          <a:blip r:embed="rId5" cstate="print">
-            <a:extLst>
-              <a:ext uri="{28A0092B-C50C-407E-A947-70E740481C1C}">
-                <a14:useLocalDpi xmlns:a14="http://schemas.microsoft.com/office/drawing/2010/main" val="0"/>
-              </a:ext>
-            </a:extLst>
-          </a:blip>
+          <a:blip r:embed="rId5"/>
           <a:srcRect/>
           <a:stretch>
             <a:fillRect/>
           </a:stretch>
         </p:blipFill>
         <p:spPr>
-          <a:xfrm rot="0">
+          <a:xfrm>
             <a:off x="1800860" y="415290"/>
             <a:ext cx="381635" cy="381635"/>
           </a:xfrm>
-          <a:prstGeom prst="rect"/>
+          <a:prstGeom prst="rect">
+            <a:avLst/>
+          </a:prstGeom>
           <a:noFill/>
         </p:spPr>
       </p:pic>
       <p:sp>
         <p:nvSpPr>
           <p:cNvPr id="9" name="Rect 0"/>
-          <p:cNvSpPr>
-            <a:spLocks/>
-          </p:cNvSpPr>
+          <p:cNvSpPr/>
           <p:nvPr/>
         </p:nvSpPr>
         <p:spPr>
-          <a:xfrm rot="0">
+          <a:xfrm>
             <a:off x="2181860" y="935355"/>
             <a:ext cx="9518650" cy="5666105"/>
           </a:xfrm>
-          <a:prstGeom prst="rect"/>
+          <a:prstGeom prst="rect">
+            <a:avLst/>
+          </a:prstGeom>
           <a:noFill/>
           <a:ln w="12700" cap="flat" cmpd="sng">
             <a:solidFill>
-              <a:srgbClr val="5B9CD5">
+              <a:srgbClr val="5b9cd5">
                 <a:alpha val="100000"/>
               </a:srgbClr>
             </a:solidFill>
@@ -6052,11 +6031,11 @@
           </a:fontRef>
         </p:style>
         <p:txBody>
-          <a:bodyPr wrap="square" lIns="502920" tIns="91440" rIns="91440" bIns="45720" numCol="1" vert="horz" anchor="t">
+          <a:bodyPr vert="horz" wrap="square" lIns="502920" tIns="91440" rIns="91440" bIns="45720" anchor="t">
             <a:noAutofit/>
           </a:bodyPr>
           <a:lstStyle>
-            <a:lvl1pPr marL="0" indent="0" algn="l" fontAlgn="base" defTabSz="508000" eaLnBrk="0" hangingPunct="0">
+            <a:lvl1pPr marL="0" indent="0" algn="l" defTabSz="508000" eaLnBrk="0" fontAlgn="base" hangingPunct="0">
               <a:spcBef>
                 <a:spcPct val="0"/>
               </a:spcBef>
@@ -6074,7 +6053,7 @@
                 <a:cs typeface="+mn-cs"/>
               </a:defRPr>
             </a:lvl1pPr>
-            <a:lvl2pPr marL="457200" indent="0" algn="l" fontAlgn="base" defTabSz="508000" eaLnBrk="0" hangingPunct="0">
+            <a:lvl2pPr marL="457200" indent="0" algn="l" defTabSz="508000" eaLnBrk="0" fontAlgn="base" hangingPunct="0">
               <a:spcBef>
                 <a:spcPct val="0"/>
               </a:spcBef>
@@ -6092,7 +6071,7 @@
                 <a:cs typeface="+mn-cs"/>
               </a:defRPr>
             </a:lvl2pPr>
-            <a:lvl3pPr marL="914400" indent="0" algn="l" fontAlgn="base" defTabSz="508000" eaLnBrk="0" hangingPunct="0">
+            <a:lvl3pPr marL="914400" indent="0" algn="l" defTabSz="508000" eaLnBrk="0" fontAlgn="base" hangingPunct="0">
               <a:spcBef>
                 <a:spcPct val="0"/>
               </a:spcBef>
@@ -6110,7 +6089,7 @@
                 <a:cs typeface="+mn-cs"/>
               </a:defRPr>
             </a:lvl3pPr>
-            <a:lvl4pPr marL="1371600" indent="0" algn="l" fontAlgn="base" defTabSz="508000" eaLnBrk="0" hangingPunct="0">
+            <a:lvl4pPr marL="1371600" indent="0" algn="l" defTabSz="508000" eaLnBrk="0" fontAlgn="base" hangingPunct="0">
               <a:spcBef>
                 <a:spcPct val="0"/>
               </a:spcBef>
@@ -6128,7 +6107,7 @@
                 <a:cs typeface="+mn-cs"/>
               </a:defRPr>
             </a:lvl4pPr>
-            <a:lvl5pPr marL="1828800" indent="0" algn="l" fontAlgn="base" defTabSz="508000" eaLnBrk="0" hangingPunct="0">
+            <a:lvl5pPr marL="1828800" indent="0" algn="l" defTabSz="508000" eaLnBrk="0" fontAlgn="base" hangingPunct="0">
               <a:spcBef>
                 <a:spcPct val="0"/>
               </a:spcBef>
@@ -6196,7 +6175,7 @@
             </a:lvl9pPr>
           </a:lstStyle>
           <a:p>
-            <a:pPr marL="0" indent="0" fontAlgn="auto" defTabSz="508000" eaLnBrk="1" hangingPunct="1">
+            <a:pPr marL="0" lvl="0" indent="0" defTabSz="508000" eaLnBrk="1" hangingPunct="1">
               <a:spcBef>
                 <a:spcPts val="0"/>
               </a:spcBef>
@@ -6210,21 +6189,21 @@
             <a:r>
               <a:rPr lang="en-US" sz="1200">
                 <a:solidFill>
-                  <a:srgbClr val="5B9CD5"/>
-                </a:solidFill>
-                <a:latin typeface="Arial" charset="0"/>
-                <a:ea typeface="Arial" charset="0"/>
-                <a:cs typeface="Arial" charset="0"/>
+                  <a:srgbClr val="5b9cd5"/>
+                </a:solidFill>
+                <a:latin typeface="Arial"/>
+                <a:ea typeface="Arial"/>
+                <a:cs typeface="Arial"/>
               </a:rPr>
               <a:t>Region</a:t>
             </a:r>
             <a:endParaRPr lang="ko-KR" altLang="en-US" sz="1200">
               <a:solidFill>
-                <a:srgbClr val="5B9CD5"/>
+                <a:srgbClr val="5b9cd5"/>
               </a:solidFill>
-              <a:latin typeface="Arial" charset="0"/>
-              <a:ea typeface="Arial" charset="0"/>
-              <a:cs typeface="Arial" charset="0"/>
+              <a:latin typeface="Arial"/>
+              <a:ea typeface="Arial"/>
+              <a:cs typeface="Arial"/>
             </a:endParaRPr>
           </a:p>
         </p:txBody>
@@ -6238,45 +6217,41 @@
           <p:nvPr/>
         </p:nvPicPr>
         <p:blipFill rotWithShape="1">
-          <a:blip r:embed="rId6" cstate="print">
-            <a:extLst>
-              <a:ext uri="{28A0092B-C50C-407E-A947-70E740481C1C}">
-                <a14:useLocalDpi xmlns:a14="http://schemas.microsoft.com/office/drawing/2010/main" val="0"/>
-              </a:ext>
-            </a:extLst>
-          </a:blip>
+          <a:blip r:embed="rId6"/>
           <a:srcRect/>
           <a:stretch>
             <a:fillRect/>
           </a:stretch>
         </p:blipFill>
         <p:spPr>
-          <a:xfrm rot="0">
+          <a:xfrm>
             <a:off x="2181225" y="929005"/>
             <a:ext cx="381635" cy="381635"/>
           </a:xfrm>
-          <a:prstGeom prst="rect"/>
+          <a:prstGeom prst="rect">
+            <a:avLst/>
+          </a:prstGeom>
           <a:noFill/>
         </p:spPr>
       </p:pic>
       <p:sp>
         <p:nvSpPr>
           <p:cNvPr id="11" name="Rect 0"/>
-          <p:cNvSpPr>
-            <a:spLocks/>
-          </p:cNvSpPr>
+          <p:cNvSpPr/>
           <p:nvPr/>
         </p:nvSpPr>
         <p:spPr>
-          <a:xfrm rot="0">
+          <a:xfrm>
             <a:off x="2562225" y="1554480"/>
             <a:ext cx="8880475" cy="2988945"/>
           </a:xfrm>
-          <a:prstGeom prst="rect"/>
+          <a:prstGeom prst="rect">
+            <a:avLst/>
+          </a:prstGeom>
           <a:noFill/>
           <a:ln w="12700" cap="flat" cmpd="sng">
             <a:solidFill>
-              <a:srgbClr val="1E8900">
+              <a:srgbClr val="1e8900">
                 <a:alpha val="100000"/>
               </a:srgbClr>
             </a:solidFill>
@@ -6300,11 +6275,11 @@
           </a:fontRef>
         </p:style>
         <p:txBody>
-          <a:bodyPr wrap="square" lIns="502920" tIns="91440" rIns="91440" bIns="45720" numCol="1" vert="horz" anchor="t">
+          <a:bodyPr vert="horz" wrap="square" lIns="502920" tIns="91440" rIns="91440" bIns="45720" anchor="t">
             <a:noAutofit/>
           </a:bodyPr>
           <a:lstStyle>
-            <a:lvl1pPr marL="0" indent="0" algn="l" fontAlgn="base" defTabSz="508000" eaLnBrk="0" hangingPunct="0">
+            <a:lvl1pPr marL="0" indent="0" algn="l" defTabSz="508000" eaLnBrk="0" fontAlgn="base" hangingPunct="0">
               <a:spcBef>
                 <a:spcPct val="0"/>
               </a:spcBef>
@@ -6322,7 +6297,7 @@
                 <a:cs typeface="+mn-cs"/>
               </a:defRPr>
             </a:lvl1pPr>
-            <a:lvl2pPr marL="457200" indent="0" algn="l" fontAlgn="base" defTabSz="508000" eaLnBrk="0" hangingPunct="0">
+            <a:lvl2pPr marL="457200" indent="0" algn="l" defTabSz="508000" eaLnBrk="0" fontAlgn="base" hangingPunct="0">
               <a:spcBef>
                 <a:spcPct val="0"/>
               </a:spcBef>
@@ -6340,7 +6315,7 @@
                 <a:cs typeface="+mn-cs"/>
               </a:defRPr>
             </a:lvl2pPr>
-            <a:lvl3pPr marL="914400" indent="0" algn="l" fontAlgn="base" defTabSz="508000" eaLnBrk="0" hangingPunct="0">
+            <a:lvl3pPr marL="914400" indent="0" algn="l" defTabSz="508000" eaLnBrk="0" fontAlgn="base" hangingPunct="0">
               <a:spcBef>
                 <a:spcPct val="0"/>
               </a:spcBef>
@@ -6358,7 +6333,7 @@
                 <a:cs typeface="+mn-cs"/>
               </a:defRPr>
             </a:lvl3pPr>
-            <a:lvl4pPr marL="1371600" indent="0" algn="l" fontAlgn="base" defTabSz="508000" eaLnBrk="0" hangingPunct="0">
+            <a:lvl4pPr marL="1371600" indent="0" algn="l" defTabSz="508000" eaLnBrk="0" fontAlgn="base" hangingPunct="0">
               <a:spcBef>
                 <a:spcPct val="0"/>
               </a:spcBef>
@@ -6376,7 +6351,7 @@
                 <a:cs typeface="+mn-cs"/>
               </a:defRPr>
             </a:lvl4pPr>
-            <a:lvl5pPr marL="1828800" indent="0" algn="l" fontAlgn="base" defTabSz="508000" eaLnBrk="0" hangingPunct="0">
+            <a:lvl5pPr marL="1828800" indent="0" algn="l" defTabSz="508000" eaLnBrk="0" fontAlgn="base" hangingPunct="0">
               <a:spcBef>
                 <a:spcPct val="0"/>
               </a:spcBef>
@@ -6444,7 +6419,7 @@
             </a:lvl9pPr>
           </a:lstStyle>
           <a:p>
-            <a:pPr marL="0" indent="0" fontAlgn="auto" defTabSz="508000" eaLnBrk="1" hangingPunct="1">
+            <a:pPr marL="0" lvl="0" indent="0" defTabSz="508000" eaLnBrk="1" hangingPunct="1">
               <a:spcBef>
                 <a:spcPts val="0"/>
               </a:spcBef>
@@ -6458,21 +6433,21 @@
             <a:r>
               <a:rPr lang="en-US" sz="1200">
                 <a:solidFill>
-                  <a:srgbClr val="1E8900"/>
-                </a:solidFill>
-                <a:latin typeface="Arial" charset="0"/>
-                <a:ea typeface="Arial" charset="0"/>
-                <a:cs typeface="Arial" charset="0"/>
+                  <a:srgbClr val="1e8900"/>
+                </a:solidFill>
+                <a:latin typeface="Arial"/>
+                <a:ea typeface="Arial"/>
+                <a:cs typeface="Arial"/>
               </a:rPr>
               <a:t>VPC</a:t>
             </a:r>
             <a:endParaRPr lang="ko-KR" altLang="en-US" sz="1200">
               <a:solidFill>
-                <a:srgbClr val="1E8900"/>
+                <a:srgbClr val="1e8900"/>
               </a:solidFill>
-              <a:latin typeface="Arial" charset="0"/>
-              <a:ea typeface="Arial" charset="0"/>
-              <a:cs typeface="Arial" charset="0"/>
+              <a:latin typeface="Arial"/>
+              <a:ea typeface="Arial"/>
+              <a:cs typeface="Arial"/>
             </a:endParaRPr>
           </a:p>
         </p:txBody>
@@ -6486,45 +6461,41 @@
           <p:nvPr/>
         </p:nvPicPr>
         <p:blipFill rotWithShape="1">
-          <a:blip r:embed="rId7" cstate="print">
-            <a:extLst>
-              <a:ext uri="{28A0092B-C50C-407E-A947-70E740481C1C}">
-                <a14:useLocalDpi xmlns:a14="http://schemas.microsoft.com/office/drawing/2010/main" val="0"/>
-              </a:ext>
-            </a:extLst>
-          </a:blip>
+          <a:blip r:embed="rId7"/>
           <a:srcRect/>
           <a:stretch>
             <a:fillRect/>
           </a:stretch>
         </p:blipFill>
         <p:spPr>
-          <a:xfrm rot="0">
+          <a:xfrm>
             <a:off x="2562225" y="1555750"/>
             <a:ext cx="381635" cy="381635"/>
           </a:xfrm>
-          <a:prstGeom prst="rect"/>
+          <a:prstGeom prst="rect">
+            <a:avLst/>
+          </a:prstGeom>
           <a:noFill/>
         </p:spPr>
       </p:pic>
       <p:sp>
         <p:nvSpPr>
           <p:cNvPr id="13" name="Rect 0"/>
-          <p:cNvSpPr>
-            <a:spLocks/>
-          </p:cNvSpPr>
+          <p:cNvSpPr/>
           <p:nvPr/>
         </p:nvSpPr>
         <p:spPr>
-          <a:xfrm rot="0">
+          <a:xfrm>
             <a:off x="2520315" y="4688205"/>
             <a:ext cx="3738245" cy="1579880"/>
           </a:xfrm>
-          <a:prstGeom prst="rect"/>
+          <a:prstGeom prst="rect">
+            <a:avLst/>
+          </a:prstGeom>
           <a:noFill/>
           <a:ln w="12700" cap="flat" cmpd="sng">
             <a:solidFill>
-              <a:srgbClr val="1E8900">
+              <a:srgbClr val="1e8900">
                 <a:alpha val="100000"/>
               </a:srgbClr>
             </a:solidFill>
@@ -6548,11 +6519,11 @@
           </a:fontRef>
         </p:style>
         <p:txBody>
-          <a:bodyPr wrap="square" lIns="502920" tIns="91440" rIns="91440" bIns="45720" numCol="1" vert="horz" anchor="t">
+          <a:bodyPr vert="horz" wrap="square" lIns="502920" tIns="91440" rIns="91440" bIns="45720" anchor="t">
             <a:noAutofit/>
           </a:bodyPr>
           <a:lstStyle>
-            <a:lvl1pPr marL="0" indent="0" algn="l" fontAlgn="base" defTabSz="508000" eaLnBrk="0" hangingPunct="0">
+            <a:lvl1pPr marL="0" indent="0" algn="l" defTabSz="508000" eaLnBrk="0" fontAlgn="base" hangingPunct="0">
               <a:spcBef>
                 <a:spcPct val="0"/>
               </a:spcBef>
@@ -6570,7 +6541,7 @@
                 <a:cs typeface="+mn-cs"/>
               </a:defRPr>
             </a:lvl1pPr>
-            <a:lvl2pPr marL="457200" indent="0" algn="l" fontAlgn="base" defTabSz="508000" eaLnBrk="0" hangingPunct="0">
+            <a:lvl2pPr marL="457200" indent="0" algn="l" defTabSz="508000" eaLnBrk="0" fontAlgn="base" hangingPunct="0">
               <a:spcBef>
                 <a:spcPct val="0"/>
               </a:spcBef>
@@ -6588,7 +6559,7 @@
                 <a:cs typeface="+mn-cs"/>
               </a:defRPr>
             </a:lvl2pPr>
-            <a:lvl3pPr marL="914400" indent="0" algn="l" fontAlgn="base" defTabSz="508000" eaLnBrk="0" hangingPunct="0">
+            <a:lvl3pPr marL="914400" indent="0" algn="l" defTabSz="508000" eaLnBrk="0" fontAlgn="base" hangingPunct="0">
               <a:spcBef>
                 <a:spcPct val="0"/>
               </a:spcBef>
@@ -6606,7 +6577,7 @@
                 <a:cs typeface="+mn-cs"/>
               </a:defRPr>
             </a:lvl3pPr>
-            <a:lvl4pPr marL="1371600" indent="0" algn="l" fontAlgn="base" defTabSz="508000" eaLnBrk="0" hangingPunct="0">
+            <a:lvl4pPr marL="1371600" indent="0" algn="l" defTabSz="508000" eaLnBrk="0" fontAlgn="base" hangingPunct="0">
               <a:spcBef>
                 <a:spcPct val="0"/>
               </a:spcBef>
@@ -6624,7 +6595,7 @@
                 <a:cs typeface="+mn-cs"/>
               </a:defRPr>
             </a:lvl4pPr>
-            <a:lvl5pPr marL="1828800" indent="0" algn="l" fontAlgn="base" defTabSz="508000" eaLnBrk="0" hangingPunct="0">
+            <a:lvl5pPr marL="1828800" indent="0" algn="l" defTabSz="508000" eaLnBrk="0" fontAlgn="base" hangingPunct="0">
               <a:spcBef>
                 <a:spcPct val="0"/>
               </a:spcBef>
@@ -6692,7 +6663,7 @@
             </a:lvl9pPr>
           </a:lstStyle>
           <a:p>
-            <a:pPr marL="0" indent="0" fontAlgn="auto" defTabSz="508000" eaLnBrk="1" hangingPunct="1">
+            <a:pPr marL="0" lvl="0" indent="0" defTabSz="508000" eaLnBrk="1" hangingPunct="1">
               <a:spcBef>
                 <a:spcPts val="0"/>
               </a:spcBef>
@@ -6706,21 +6677,21 @@
             <a:r>
               <a:rPr lang="en-US" sz="1200">
                 <a:solidFill>
-                  <a:srgbClr val="1E8900"/>
-                </a:solidFill>
-                <a:latin typeface="Arial" charset="0"/>
-                <a:ea typeface="Arial" charset="0"/>
-                <a:cs typeface="Arial" charset="0"/>
+                  <a:srgbClr val="1e8900"/>
+                </a:solidFill>
+                <a:latin typeface="Arial"/>
+                <a:ea typeface="Arial"/>
+                <a:cs typeface="Arial"/>
               </a:rPr>
               <a:t>VPC</a:t>
             </a:r>
             <a:endParaRPr lang="ko-KR" altLang="en-US" sz="1200">
               <a:solidFill>
-                <a:srgbClr val="1E8900"/>
+                <a:srgbClr val="1e8900"/>
               </a:solidFill>
-              <a:latin typeface="Arial" charset="0"/>
-              <a:ea typeface="Arial" charset="0"/>
-              <a:cs typeface="Arial" charset="0"/>
+              <a:latin typeface="Arial"/>
+              <a:ea typeface="Arial"/>
+              <a:cs typeface="Arial"/>
             </a:endParaRPr>
           </a:p>
         </p:txBody>
@@ -6734,24 +6705,20 @@
           <p:nvPr/>
         </p:nvPicPr>
         <p:blipFill rotWithShape="1">
-          <a:blip r:embed="rId7" cstate="print">
-            <a:extLst>
-              <a:ext uri="{28A0092B-C50C-407E-A947-70E740481C1C}">
-                <a14:useLocalDpi xmlns:a14="http://schemas.microsoft.com/office/drawing/2010/main" val="0"/>
-              </a:ext>
-            </a:extLst>
-          </a:blip>
+          <a:blip r:embed="rId8"/>
           <a:srcRect/>
           <a:stretch>
             <a:fillRect/>
           </a:stretch>
         </p:blipFill>
         <p:spPr>
-          <a:xfrm rot="0">
+          <a:xfrm>
             <a:off x="2520315" y="4689475"/>
             <a:ext cx="481965" cy="481965"/>
           </a:xfrm>
-          <a:prstGeom prst="rect"/>
+          <a:prstGeom prst="rect">
+            <a:avLst/>
+          </a:prstGeom>
           <a:noFill/>
         </p:spPr>
       </p:pic>
@@ -6764,87 +6731,47 @@
           <p:nvPr/>
         </p:nvPicPr>
         <p:blipFill rotWithShape="1">
-          <a:blip r:embed="rId8" cstate="print">
-            <a:extLst>
-              <a:ext uri="{28A0092B-C50C-407E-A947-70E740481C1C}">
-                <a14:useLocalDpi xmlns:a14="http://schemas.microsoft.com/office/drawing/2010/main" val="0"/>
-              </a:ext>
-            </a:extLst>
-          </a:blip>
+          <a:blip r:embed="rId9"/>
           <a:srcRect/>
           <a:stretch>
             <a:fillRect/>
           </a:stretch>
         </p:blipFill>
-        <p:spPr bwMode="auto">
-          <a:xfrm rot="0">
+        <p:spPr>
+          <a:xfrm>
             <a:off x="11019790" y="993775"/>
             <a:ext cx="540385" cy="540385"/>
           </a:xfrm>
-          <a:prstGeom prst="rect"/>
+          <a:prstGeom prst="rect">
+            <a:avLst/>
+          </a:prstGeom>
           <a:noFill/>
           <a:ln w="0">
             <a:noFill/>
-            <a:prstDash/>
-          </a:ln>
-        </p:spPr>
-      </p:pic>
-      <p:pic>
-        <p:nvPicPr>
-          <p:cNvPr id="16" name="Picture " descr="C:/Users/SMJ/AppData/Roaming/PolarisOffice/ETemp/20008_17707072/image12.png"/>
-          <p:cNvPicPr>
-            <a:picLocks noChangeAspect="1"/>
-          </p:cNvPicPr>
-          <p:nvPr/>
-        </p:nvPicPr>
-        <p:blipFill rotWithShape="1">
-          <a:blip r:embed="rId9" cstate="print">
-            <a:extLst>
-              <a:ext uri="{28A0092B-C50C-407E-A947-70E740481C1C}">
-                <a14:useLocalDpi xmlns:a14="http://schemas.microsoft.com/office/drawing/2010/main" val="0"/>
-              </a:ext>
-            </a:extLst>
-          </a:blip>
-          <a:srcRect/>
-          <a:stretch>
-            <a:fillRect/>
-          </a:stretch>
-        </p:blipFill>
-        <p:spPr bwMode="auto">
-          <a:xfrm rot="0">
-            <a:off x="6838315" y="4886325"/>
-            <a:ext cx="360680" cy="360680"/>
-          </a:xfrm>
-          <a:prstGeom prst="rect"/>
-          <a:noFill/>
-          <a:ln w="0">
-            <a:noFill/>
-            <a:prstDash/>
           </a:ln>
         </p:spPr>
       </p:pic>
       <p:sp>
         <p:nvSpPr>
           <p:cNvPr id="17" name="Rect 0"/>
-          <p:cNvSpPr>
-            <a:spLocks/>
-          </p:cNvSpPr>
+          <p:cNvSpPr/>
           <p:nvPr/>
         </p:nvSpPr>
         <p:spPr>
-          <a:xfrm rot="0">
+          <a:xfrm>
             <a:off x="3148330" y="2475230"/>
             <a:ext cx="2002790" cy="1095375"/>
           </a:xfrm>
-          <a:prstGeom prst="rect"/>
+          <a:prstGeom prst="rect">
+            <a:avLst/>
+          </a:prstGeom>
           <a:solidFill>
-            <a:srgbClr val="1D8900">
-              <a:alpha val="8635"/>
+            <a:srgbClr val="1d8900">
+              <a:alpha val="8640"/>
             </a:srgbClr>
           </a:solidFill>
           <a:ln w="0">
             <a:noFill/>
-            <a:prstDash/>
           </a:ln>
         </p:spPr>
         <p:style>
@@ -6864,11 +6791,11 @@
           </a:fontRef>
         </p:style>
         <p:txBody>
-          <a:bodyPr wrap="square" lIns="502920" tIns="45720" rIns="91440" bIns="45720" numCol="1" vert="horz" anchor="t">
+          <a:bodyPr vert="horz" wrap="square" lIns="502920" tIns="45720" rIns="91440" bIns="45720" anchor="t">
             <a:noAutofit/>
           </a:bodyPr>
           <a:lstStyle>
-            <a:lvl1pPr marL="0" indent="0" algn="l" fontAlgn="base" defTabSz="508000" eaLnBrk="0" hangingPunct="0">
+            <a:lvl1pPr marL="0" indent="0" algn="l" defTabSz="508000" eaLnBrk="0" fontAlgn="base" hangingPunct="0">
               <a:spcBef>
                 <a:spcPct val="0"/>
               </a:spcBef>
@@ -6886,7 +6813,7 @@
                 <a:cs typeface="+mn-cs"/>
               </a:defRPr>
             </a:lvl1pPr>
-            <a:lvl2pPr marL="457200" indent="0" algn="l" fontAlgn="base" defTabSz="508000" eaLnBrk="0" hangingPunct="0">
+            <a:lvl2pPr marL="457200" indent="0" algn="l" defTabSz="508000" eaLnBrk="0" fontAlgn="base" hangingPunct="0">
               <a:spcBef>
                 <a:spcPct val="0"/>
               </a:spcBef>
@@ -6904,7 +6831,7 @@
                 <a:cs typeface="+mn-cs"/>
               </a:defRPr>
             </a:lvl2pPr>
-            <a:lvl3pPr marL="914400" indent="0" algn="l" fontAlgn="base" defTabSz="508000" eaLnBrk="0" hangingPunct="0">
+            <a:lvl3pPr marL="914400" indent="0" algn="l" defTabSz="508000" eaLnBrk="0" fontAlgn="base" hangingPunct="0">
               <a:spcBef>
                 <a:spcPct val="0"/>
               </a:spcBef>
@@ -6922,7 +6849,7 @@
                 <a:cs typeface="+mn-cs"/>
               </a:defRPr>
             </a:lvl3pPr>
-            <a:lvl4pPr marL="1371600" indent="0" algn="l" fontAlgn="base" defTabSz="508000" eaLnBrk="0" hangingPunct="0">
+            <a:lvl4pPr marL="1371600" indent="0" algn="l" defTabSz="508000" eaLnBrk="0" fontAlgn="base" hangingPunct="0">
               <a:spcBef>
                 <a:spcPct val="0"/>
               </a:spcBef>
@@ -6940,7 +6867,7 @@
                 <a:cs typeface="+mn-cs"/>
               </a:defRPr>
             </a:lvl4pPr>
-            <a:lvl5pPr marL="1828800" indent="0" algn="l" fontAlgn="base" defTabSz="508000" eaLnBrk="0" hangingPunct="0">
+            <a:lvl5pPr marL="1828800" indent="0" algn="l" defTabSz="508000" eaLnBrk="0" fontAlgn="base" hangingPunct="0">
               <a:spcBef>
                 <a:spcPct val="0"/>
               </a:spcBef>
@@ -7008,7 +6935,7 @@
             </a:lvl9pPr>
           </a:lstStyle>
           <a:p>
-            <a:pPr marL="0" indent="0" fontAlgn="auto" defTabSz="508000" eaLnBrk="1" hangingPunct="1">
+            <a:pPr marL="0" lvl="0" indent="0" defTabSz="508000" eaLnBrk="1" hangingPunct="1">
               <a:spcBef>
                 <a:spcPts val="0"/>
               </a:spcBef>
@@ -7022,21 +6949,21 @@
             <a:r>
               <a:rPr lang="en-US" sz="1200">
                 <a:solidFill>
-                  <a:srgbClr val="1E8900"/>
-                </a:solidFill>
-                <a:latin typeface="Arial" charset="0"/>
-                <a:ea typeface="Arial" charset="0"/>
-                <a:cs typeface="Arial" charset="0"/>
+                  <a:srgbClr val="1e8900"/>
+                </a:solidFill>
+                <a:latin typeface="Arial"/>
+                <a:ea typeface="Arial"/>
+                <a:cs typeface="Arial"/>
               </a:rPr>
               <a:t>Public subnet</a:t>
             </a:r>
             <a:endParaRPr lang="ko-KR" altLang="en-US" sz="1200">
               <a:solidFill>
-                <a:srgbClr val="1E8900"/>
+                <a:srgbClr val="1e8900"/>
               </a:solidFill>
-              <a:latin typeface="Arial" charset="0"/>
-              <a:ea typeface="Arial" charset="0"/>
-              <a:cs typeface="Arial" charset="0"/>
+              <a:latin typeface="Arial"/>
+              <a:ea typeface="Arial"/>
+              <a:cs typeface="Arial"/>
             </a:endParaRPr>
           </a:p>
         </p:txBody>
@@ -7050,45 +6977,41 @@
           <p:nvPr/>
         </p:nvPicPr>
         <p:blipFill rotWithShape="1">
-          <a:blip r:embed="rId10" cstate="print">
-            <a:extLst>
-              <a:ext uri="{28A0092B-C50C-407E-A947-70E740481C1C}">
-                <a14:useLocalDpi xmlns:a14="http://schemas.microsoft.com/office/drawing/2010/main" val="0"/>
-              </a:ext>
-            </a:extLst>
-          </a:blip>
+          <a:blip r:embed="rId10"/>
           <a:srcRect/>
           <a:stretch>
             <a:fillRect/>
           </a:stretch>
         </p:blipFill>
         <p:spPr>
-          <a:xfrm rot="0">
+          <a:xfrm>
             <a:off x="3148965" y="2477135"/>
             <a:ext cx="381635" cy="381635"/>
           </a:xfrm>
-          <a:prstGeom prst="rect"/>
+          <a:prstGeom prst="rect">
+            <a:avLst/>
+          </a:prstGeom>
           <a:noFill/>
         </p:spPr>
       </p:pic>
       <p:sp>
         <p:nvSpPr>
           <p:cNvPr id="19" name="Rect 0"/>
-          <p:cNvSpPr>
-            <a:spLocks/>
-          </p:cNvSpPr>
+          <p:cNvSpPr/>
           <p:nvPr/>
         </p:nvSpPr>
         <p:spPr>
-          <a:xfrm rot="0">
+          <a:xfrm>
             <a:off x="8886190" y="1657985"/>
             <a:ext cx="2404745" cy="1276350"/>
           </a:xfrm>
-          <a:prstGeom prst="rect"/>
+          <a:prstGeom prst="rect">
+            <a:avLst/>
+          </a:prstGeom>
           <a:noFill/>
           <a:ln w="12700" cap="flat" cmpd="sng">
             <a:solidFill>
-              <a:srgbClr val="5B9CD5">
+              <a:srgbClr val="5b9cd5">
                 <a:alpha val="100000"/>
               </a:srgbClr>
             </a:solidFill>
@@ -7112,11 +7035,11 @@
           </a:fontRef>
         </p:style>
         <p:txBody>
-          <a:bodyPr wrap="square" lIns="91440" tIns="91440" rIns="91440" bIns="45720" numCol="1" vert="horz" anchor="t">
+          <a:bodyPr vert="horz" wrap="square" lIns="91440" tIns="91440" rIns="91440" bIns="45720" anchor="t">
             <a:noAutofit/>
           </a:bodyPr>
           <a:lstStyle>
-            <a:lvl1pPr marL="0" indent="0" algn="l" fontAlgn="base" defTabSz="508000" eaLnBrk="0" hangingPunct="0">
+            <a:lvl1pPr marL="0" indent="0" algn="l" defTabSz="508000" eaLnBrk="0" fontAlgn="base" hangingPunct="0">
               <a:spcBef>
                 <a:spcPct val="0"/>
               </a:spcBef>
@@ -7134,7 +7057,7 @@
                 <a:cs typeface="+mn-cs"/>
               </a:defRPr>
             </a:lvl1pPr>
-            <a:lvl2pPr marL="457200" indent="0" algn="l" fontAlgn="base" defTabSz="508000" eaLnBrk="0" hangingPunct="0">
+            <a:lvl2pPr marL="457200" indent="0" algn="l" defTabSz="508000" eaLnBrk="0" fontAlgn="base" hangingPunct="0">
               <a:spcBef>
                 <a:spcPct val="0"/>
               </a:spcBef>
@@ -7152,7 +7075,7 @@
                 <a:cs typeface="+mn-cs"/>
               </a:defRPr>
             </a:lvl2pPr>
-            <a:lvl3pPr marL="914400" indent="0" algn="l" fontAlgn="base" defTabSz="508000" eaLnBrk="0" hangingPunct="0">
+            <a:lvl3pPr marL="914400" indent="0" algn="l" defTabSz="508000" eaLnBrk="0" fontAlgn="base" hangingPunct="0">
               <a:spcBef>
                 <a:spcPct val="0"/>
               </a:spcBef>
@@ -7170,7 +7093,7 @@
                 <a:cs typeface="+mn-cs"/>
               </a:defRPr>
             </a:lvl3pPr>
-            <a:lvl4pPr marL="1371600" indent="0" algn="l" fontAlgn="base" defTabSz="508000" eaLnBrk="0" hangingPunct="0">
+            <a:lvl4pPr marL="1371600" indent="0" algn="l" defTabSz="508000" eaLnBrk="0" fontAlgn="base" hangingPunct="0">
               <a:spcBef>
                 <a:spcPct val="0"/>
               </a:spcBef>
@@ -7188,7 +7111,7 @@
                 <a:cs typeface="+mn-cs"/>
               </a:defRPr>
             </a:lvl4pPr>
-            <a:lvl5pPr marL="1828800" indent="0" algn="l" fontAlgn="base" defTabSz="508000" eaLnBrk="0" hangingPunct="0">
+            <a:lvl5pPr marL="1828800" indent="0" algn="l" defTabSz="508000" eaLnBrk="0" fontAlgn="base" hangingPunct="0">
               <a:spcBef>
                 <a:spcPct val="0"/>
               </a:spcBef>
@@ -7256,7 +7179,7 @@
             </a:lvl9pPr>
           </a:lstStyle>
           <a:p>
-            <a:pPr marL="0" indent="0" algn="ctr" fontAlgn="auto" defTabSz="508000" eaLnBrk="1" hangingPunct="1">
+            <a:pPr marL="0" lvl="0" indent="0" algn="ctr" defTabSz="508000" eaLnBrk="1" hangingPunct="1">
               <a:spcBef>
                 <a:spcPts val="0"/>
               </a:spcBef>
@@ -7270,21 +7193,21 @@
             <a:r>
               <a:rPr lang="en-US" sz="1200">
                 <a:solidFill>
-                  <a:srgbClr val="5B9CD5"/>
-                </a:solidFill>
-                <a:latin typeface="Arial" charset="0"/>
-                <a:ea typeface="Arial" charset="0"/>
-                <a:cs typeface="Arial" charset="0"/>
+                  <a:srgbClr val="5b9cd5"/>
+                </a:solidFill>
+                <a:latin typeface="Arial"/>
+                <a:ea typeface="Arial"/>
+                <a:cs typeface="Arial"/>
               </a:rPr>
               <a:t>Availability Zone – 1a</a:t>
             </a:r>
             <a:endParaRPr lang="ko-KR" altLang="en-US" sz="1200">
               <a:solidFill>
-                <a:srgbClr val="5B9CD5"/>
+                <a:srgbClr val="5b9cd5"/>
               </a:solidFill>
-              <a:latin typeface="Arial" charset="0"/>
-              <a:ea typeface="Arial" charset="0"/>
-              <a:cs typeface="Arial" charset="0"/>
+              <a:latin typeface="Arial"/>
+              <a:ea typeface="Arial"/>
+              <a:cs typeface="Arial"/>
             </a:endParaRPr>
           </a:p>
         </p:txBody>
@@ -7292,21 +7215,21 @@
       <p:sp>
         <p:nvSpPr>
           <p:cNvPr id="20" name="Rect 0"/>
-          <p:cNvSpPr>
-            <a:spLocks/>
-          </p:cNvSpPr>
+          <p:cNvSpPr/>
           <p:nvPr/>
         </p:nvSpPr>
         <p:spPr>
-          <a:xfrm rot="0">
+          <a:xfrm>
             <a:off x="8886190" y="3192145"/>
             <a:ext cx="2404745" cy="1198245"/>
           </a:xfrm>
-          <a:prstGeom prst="rect"/>
+          <a:prstGeom prst="rect">
+            <a:avLst/>
+          </a:prstGeom>
           <a:noFill/>
           <a:ln w="12700" cap="flat" cmpd="sng">
             <a:solidFill>
-              <a:srgbClr val="5B9CD5">
+              <a:srgbClr val="5b9cd5">
                 <a:alpha val="100000"/>
               </a:srgbClr>
             </a:solidFill>
@@ -7330,11 +7253,11 @@
           </a:fontRef>
         </p:style>
         <p:txBody>
-          <a:bodyPr wrap="square" lIns="91440" tIns="91440" rIns="91440" bIns="45720" numCol="1" vert="horz" anchor="t">
+          <a:bodyPr vert="horz" wrap="square" lIns="91440" tIns="91440" rIns="91440" bIns="45720" anchor="t">
             <a:noAutofit/>
           </a:bodyPr>
           <a:lstStyle>
-            <a:lvl1pPr marL="0" indent="0" algn="l" fontAlgn="base" defTabSz="508000" eaLnBrk="0" hangingPunct="0">
+            <a:lvl1pPr marL="0" indent="0" algn="l" defTabSz="508000" eaLnBrk="0" fontAlgn="base" hangingPunct="0">
               <a:spcBef>
                 <a:spcPct val="0"/>
               </a:spcBef>
@@ -7352,7 +7275,7 @@
                 <a:cs typeface="+mn-cs"/>
               </a:defRPr>
             </a:lvl1pPr>
-            <a:lvl2pPr marL="457200" indent="0" algn="l" fontAlgn="base" defTabSz="508000" eaLnBrk="0" hangingPunct="0">
+            <a:lvl2pPr marL="457200" indent="0" algn="l" defTabSz="508000" eaLnBrk="0" fontAlgn="base" hangingPunct="0">
               <a:spcBef>
                 <a:spcPct val="0"/>
               </a:spcBef>
@@ -7370,7 +7293,7 @@
                 <a:cs typeface="+mn-cs"/>
               </a:defRPr>
             </a:lvl2pPr>
-            <a:lvl3pPr marL="914400" indent="0" algn="l" fontAlgn="base" defTabSz="508000" eaLnBrk="0" hangingPunct="0">
+            <a:lvl3pPr marL="914400" indent="0" algn="l" defTabSz="508000" eaLnBrk="0" fontAlgn="base" hangingPunct="0">
               <a:spcBef>
                 <a:spcPct val="0"/>
               </a:spcBef>
@@ -7388,7 +7311,7 @@
                 <a:cs typeface="+mn-cs"/>
               </a:defRPr>
             </a:lvl3pPr>
-            <a:lvl4pPr marL="1371600" indent="0" algn="l" fontAlgn="base" defTabSz="508000" eaLnBrk="0" hangingPunct="0">
+            <a:lvl4pPr marL="1371600" indent="0" algn="l" defTabSz="508000" eaLnBrk="0" fontAlgn="base" hangingPunct="0">
               <a:spcBef>
                 <a:spcPct val="0"/>
               </a:spcBef>
@@ -7406,7 +7329,7 @@
                 <a:cs typeface="+mn-cs"/>
               </a:defRPr>
             </a:lvl4pPr>
-            <a:lvl5pPr marL="1828800" indent="0" algn="l" fontAlgn="base" defTabSz="508000" eaLnBrk="0" hangingPunct="0">
+            <a:lvl5pPr marL="1828800" indent="0" algn="l" defTabSz="508000" eaLnBrk="0" fontAlgn="base" hangingPunct="0">
               <a:spcBef>
                 <a:spcPct val="0"/>
               </a:spcBef>
@@ -7474,7 +7397,7 @@
             </a:lvl9pPr>
           </a:lstStyle>
           <a:p>
-            <a:pPr marL="0" indent="0" algn="ctr" fontAlgn="auto" defTabSz="508000" eaLnBrk="1" hangingPunct="1">
+            <a:pPr marL="0" lvl="0" indent="0" algn="ctr" defTabSz="508000" eaLnBrk="1" hangingPunct="1">
               <a:spcBef>
                 <a:spcPts val="0"/>
               </a:spcBef>
@@ -7488,21 +7411,21 @@
             <a:r>
               <a:rPr lang="en-US" sz="1200">
                 <a:solidFill>
-                  <a:srgbClr val="5B9CD5"/>
-                </a:solidFill>
-                <a:latin typeface="Arial" charset="0"/>
-                <a:ea typeface="Arial" charset="0"/>
-                <a:cs typeface="Arial" charset="0"/>
+                  <a:srgbClr val="5b9cd5"/>
+                </a:solidFill>
+                <a:latin typeface="Arial"/>
+                <a:ea typeface="Arial"/>
+                <a:cs typeface="Arial"/>
               </a:rPr>
               <a:t>Availability Zone – 1b</a:t>
             </a:r>
             <a:endParaRPr lang="ko-KR" altLang="en-US" sz="1200">
               <a:solidFill>
-                <a:srgbClr val="5B9CD5"/>
+                <a:srgbClr val="5b9cd5"/>
               </a:solidFill>
-              <a:latin typeface="Arial" charset="0"/>
-              <a:ea typeface="Arial" charset="0"/>
-              <a:cs typeface="Arial" charset="0"/>
+              <a:latin typeface="Arial"/>
+              <a:ea typeface="Arial"/>
+              <a:cs typeface="Arial"/>
             </a:endParaRPr>
           </a:p>
         </p:txBody>
@@ -7516,28 +7439,23 @@
           <p:nvPr/>
         </p:nvPicPr>
         <p:blipFill rotWithShape="1">
-          <a:blip r:embed="rId11" cstate="print">
-            <a:extLst>
-              <a:ext uri="{28A0092B-C50C-407E-A947-70E740481C1C}">
-                <a14:useLocalDpi xmlns:a14="http://schemas.microsoft.com/office/drawing/2010/main" val="0"/>
-              </a:ext>
-            </a:extLst>
-          </a:blip>
+          <a:blip r:embed="rId11"/>
           <a:srcRect/>
           <a:stretch>
             <a:fillRect/>
           </a:stretch>
         </p:blipFill>
-        <p:spPr bwMode="auto">
-          <a:xfrm rot="0">
+        <p:spPr>
+          <a:xfrm>
             <a:off x="10375265" y="980440"/>
             <a:ext cx="540385" cy="540385"/>
           </a:xfrm>
-          <a:prstGeom prst="rect"/>
+          <a:prstGeom prst="rect">
+            <a:avLst/>
+          </a:prstGeom>
           <a:noFill/>
           <a:ln w="0">
             <a:noFill/>
-            <a:prstDash/>
           </a:ln>
         </p:spPr>
       </p:pic>
@@ -7550,28 +7468,23 @@
           <p:nvPr/>
         </p:nvPicPr>
         <p:blipFill rotWithShape="1">
-          <a:blip r:embed="rId12" cstate="print">
-            <a:extLst>
-              <a:ext uri="{28A0092B-C50C-407E-A947-70E740481C1C}">
-                <a14:useLocalDpi xmlns:a14="http://schemas.microsoft.com/office/drawing/2010/main" val="0"/>
-              </a:ext>
-            </a:extLst>
-          </a:blip>
+          <a:blip r:embed="rId12"/>
           <a:srcRect/>
           <a:stretch>
             <a:fillRect/>
           </a:stretch>
         </p:blipFill>
-        <p:spPr bwMode="auto">
-          <a:xfrm rot="0">
+        <p:spPr>
+          <a:xfrm>
             <a:off x="9899015" y="2306955"/>
             <a:ext cx="360680" cy="360680"/>
           </a:xfrm>
-          <a:prstGeom prst="rect"/>
+          <a:prstGeom prst="rect">
+            <a:avLst/>
+          </a:prstGeom>
           <a:noFill/>
           <a:ln w="0">
             <a:noFill/>
-            <a:prstDash/>
           </a:ln>
         </p:spPr>
       </p:pic>
@@ -7584,49 +7497,44 @@
           <p:nvPr/>
         </p:nvPicPr>
         <p:blipFill rotWithShape="1">
-          <a:blip r:embed="rId12" cstate="print">
-            <a:extLst>
-              <a:ext uri="{28A0092B-C50C-407E-A947-70E740481C1C}">
-                <a14:useLocalDpi xmlns:a14="http://schemas.microsoft.com/office/drawing/2010/main" val="0"/>
-              </a:ext>
-            </a:extLst>
-          </a:blip>
+          <a:blip r:embed="rId13"/>
           <a:srcRect/>
           <a:stretch>
             <a:fillRect/>
           </a:stretch>
         </p:blipFill>
-        <p:spPr bwMode="auto">
-          <a:xfrm rot="0">
+        <p:spPr>
+          <a:xfrm>
             <a:off x="9932670" y="3873500"/>
             <a:ext cx="360680" cy="360680"/>
           </a:xfrm>
-          <a:prstGeom prst="rect"/>
+          <a:prstGeom prst="rect">
+            <a:avLst/>
+          </a:prstGeom>
           <a:noFill/>
           <a:ln w="0">
             <a:noFill/>
-            <a:prstDash/>
           </a:ln>
         </p:spPr>
       </p:pic>
       <p:sp>
         <p:nvSpPr>
           <p:cNvPr id="24" name="Rect 0"/>
-          <p:cNvSpPr>
-            <a:spLocks/>
-          </p:cNvSpPr>
+          <p:cNvSpPr/>
           <p:nvPr/>
         </p:nvSpPr>
         <p:spPr>
-          <a:xfrm rot="0">
+          <a:xfrm>
             <a:off x="5673090" y="1734185"/>
             <a:ext cx="2807335" cy="2499360"/>
           </a:xfrm>
-          <a:prstGeom prst="rect"/>
+          <a:prstGeom prst="rect">
+            <a:avLst/>
+          </a:prstGeom>
           <a:noFill/>
           <a:ln w="12700" cap="flat" cmpd="sng">
             <a:solidFill>
-              <a:srgbClr val="D86613">
+              <a:srgbClr val="d86613">
                 <a:alpha val="100000"/>
               </a:srgbClr>
             </a:solidFill>
@@ -7650,11 +7558,11 @@
           </a:fontRef>
         </p:style>
         <p:txBody>
-          <a:bodyPr wrap="square" lIns="502920" tIns="91440" rIns="91440" bIns="45720" numCol="1" vert="horz" anchor="t">
+          <a:bodyPr vert="horz" wrap="square" lIns="502920" tIns="91440" rIns="91440" bIns="45720" anchor="t">
             <a:noAutofit/>
           </a:bodyPr>
           <a:lstStyle>
-            <a:lvl1pPr marL="0" indent="0" algn="l" fontAlgn="base" defTabSz="508000" eaLnBrk="0" hangingPunct="0">
+            <a:lvl1pPr marL="0" indent="0" algn="l" defTabSz="508000" eaLnBrk="0" fontAlgn="base" hangingPunct="0">
               <a:spcBef>
                 <a:spcPct val="0"/>
               </a:spcBef>
@@ -7672,7 +7580,7 @@
                 <a:cs typeface="+mn-cs"/>
               </a:defRPr>
             </a:lvl1pPr>
-            <a:lvl2pPr marL="457200" indent="0" algn="l" fontAlgn="base" defTabSz="508000" eaLnBrk="0" hangingPunct="0">
+            <a:lvl2pPr marL="457200" indent="0" algn="l" defTabSz="508000" eaLnBrk="0" fontAlgn="base" hangingPunct="0">
               <a:spcBef>
                 <a:spcPct val="0"/>
               </a:spcBef>
@@ -7690,7 +7598,7 @@
                 <a:cs typeface="+mn-cs"/>
               </a:defRPr>
             </a:lvl2pPr>
-            <a:lvl3pPr marL="914400" indent="0" algn="l" fontAlgn="base" defTabSz="508000" eaLnBrk="0" hangingPunct="0">
+            <a:lvl3pPr marL="914400" indent="0" algn="l" defTabSz="508000" eaLnBrk="0" fontAlgn="base" hangingPunct="0">
               <a:spcBef>
                 <a:spcPct val="0"/>
               </a:spcBef>
@@ -7708,7 +7616,7 @@
                 <a:cs typeface="+mn-cs"/>
               </a:defRPr>
             </a:lvl3pPr>
-            <a:lvl4pPr marL="1371600" indent="0" algn="l" fontAlgn="base" defTabSz="508000" eaLnBrk="0" hangingPunct="0">
+            <a:lvl4pPr marL="1371600" indent="0" algn="l" defTabSz="508000" eaLnBrk="0" fontAlgn="base" hangingPunct="0">
               <a:spcBef>
                 <a:spcPct val="0"/>
               </a:spcBef>
@@ -7726,7 +7634,7 @@
                 <a:cs typeface="+mn-cs"/>
               </a:defRPr>
             </a:lvl4pPr>
-            <a:lvl5pPr marL="1828800" indent="0" algn="l" fontAlgn="base" defTabSz="508000" eaLnBrk="0" hangingPunct="0">
+            <a:lvl5pPr marL="1828800" indent="0" algn="l" defTabSz="508000" eaLnBrk="0" fontAlgn="base" hangingPunct="0">
               <a:spcBef>
                 <a:spcPct val="0"/>
               </a:spcBef>
@@ -7794,7 +7702,7 @@
             </a:lvl9pPr>
           </a:lstStyle>
           <a:p>
-            <a:pPr marL="0" indent="0" fontAlgn="auto" defTabSz="508000" eaLnBrk="1" hangingPunct="1">
+            <a:pPr marL="0" lvl="0" indent="0" defTabSz="508000" eaLnBrk="1" hangingPunct="1">
               <a:spcBef>
                 <a:spcPts val="0"/>
               </a:spcBef>
@@ -7808,21 +7716,21 @@
             <a:r>
               <a:rPr lang="en-US" sz="1200">
                 <a:solidFill>
-                  <a:srgbClr val="D86613"/>
-                </a:solidFill>
-                <a:latin typeface="Arial" charset="0"/>
-                <a:ea typeface="Arial" charset="0"/>
-                <a:cs typeface="Arial" charset="0"/>
+                  <a:srgbClr val="d86613"/>
+                </a:solidFill>
+                <a:latin typeface="Arial"/>
+                <a:ea typeface="Arial"/>
+                <a:cs typeface="Arial"/>
               </a:rPr>
               <a:t>Elastic Beanstalk container</a:t>
             </a:r>
             <a:endParaRPr lang="ko-KR" altLang="en-US" sz="1200">
               <a:solidFill>
-                <a:srgbClr val="D86613"/>
+                <a:srgbClr val="d86613"/>
               </a:solidFill>
-              <a:latin typeface="Arial" charset="0"/>
-              <a:ea typeface="Arial" charset="0"/>
-              <a:cs typeface="Arial" charset="0"/>
+              <a:latin typeface="Arial"/>
+              <a:ea typeface="Arial"/>
+              <a:cs typeface="Arial"/>
             </a:endParaRPr>
           </a:p>
         </p:txBody>
@@ -7836,49 +7744,44 @@
           <p:nvPr/>
         </p:nvPicPr>
         <p:blipFill rotWithShape="1">
-          <a:blip r:embed="rId13" cstate="print">
-            <a:extLst>
-              <a:ext uri="{28A0092B-C50C-407E-A947-70E740481C1C}">
-                <a14:useLocalDpi xmlns:a14="http://schemas.microsoft.com/office/drawing/2010/main" val="0"/>
-              </a:ext>
-            </a:extLst>
-          </a:blip>
+          <a:blip r:embed="rId14"/>
           <a:srcRect/>
           <a:stretch>
             <a:fillRect/>
           </a:stretch>
         </p:blipFill>
         <p:spPr>
-          <a:xfrm rot="0">
+          <a:xfrm>
             <a:off x="5673090" y="1734185"/>
             <a:ext cx="381635" cy="381635"/>
           </a:xfrm>
-          <a:prstGeom prst="rect"/>
+          <a:prstGeom prst="rect">
+            <a:avLst/>
+          </a:prstGeom>
           <a:noFill/>
         </p:spPr>
       </p:pic>
       <p:sp>
         <p:nvSpPr>
           <p:cNvPr id="26" name="Rect 0"/>
-          <p:cNvSpPr>
-            <a:spLocks/>
-          </p:cNvSpPr>
+          <p:cNvSpPr/>
           <p:nvPr/>
         </p:nvSpPr>
         <p:spPr>
-          <a:xfrm rot="0">
+          <a:xfrm>
             <a:off x="6116955" y="2123440"/>
             <a:ext cx="2011045" cy="816610"/>
           </a:xfrm>
-          <a:prstGeom prst="rect"/>
+          <a:prstGeom prst="rect">
+            <a:avLst/>
+          </a:prstGeom>
           <a:solidFill>
-            <a:srgbClr val="007CBC">
-              <a:alpha val="8635"/>
+            <a:srgbClr val="007cbc">
+              <a:alpha val="8640"/>
             </a:srgbClr>
           </a:solidFill>
           <a:ln w="0">
             <a:noFill/>
-            <a:prstDash/>
           </a:ln>
         </p:spPr>
         <p:style>
@@ -7898,11 +7801,11 @@
           </a:fontRef>
         </p:style>
         <p:txBody>
-          <a:bodyPr wrap="square" lIns="502920" tIns="45720" rIns="91440" bIns="45720" numCol="1" vert="horz" anchor="t">
+          <a:bodyPr vert="horz" wrap="square" lIns="502920" tIns="45720" rIns="91440" bIns="45720" anchor="t">
             <a:noAutofit/>
           </a:bodyPr>
           <a:lstStyle>
-            <a:lvl1pPr marL="0" indent="0" algn="l" fontAlgn="base" defTabSz="508000" eaLnBrk="0" hangingPunct="0">
+            <a:lvl1pPr marL="0" indent="0" algn="l" defTabSz="508000" eaLnBrk="0" fontAlgn="base" hangingPunct="0">
               <a:spcBef>
                 <a:spcPct val="0"/>
               </a:spcBef>
@@ -7920,7 +7823,7 @@
                 <a:cs typeface="+mn-cs"/>
               </a:defRPr>
             </a:lvl1pPr>
-            <a:lvl2pPr marL="457200" indent="0" algn="l" fontAlgn="base" defTabSz="508000" eaLnBrk="0" hangingPunct="0">
+            <a:lvl2pPr marL="457200" indent="0" algn="l" defTabSz="508000" eaLnBrk="0" fontAlgn="base" hangingPunct="0">
               <a:spcBef>
                 <a:spcPct val="0"/>
               </a:spcBef>
@@ -7938,7 +7841,7 @@
                 <a:cs typeface="+mn-cs"/>
               </a:defRPr>
             </a:lvl2pPr>
-            <a:lvl3pPr marL="914400" indent="0" algn="l" fontAlgn="base" defTabSz="508000" eaLnBrk="0" hangingPunct="0">
+            <a:lvl3pPr marL="914400" indent="0" algn="l" defTabSz="508000" eaLnBrk="0" fontAlgn="base" hangingPunct="0">
               <a:spcBef>
                 <a:spcPct val="0"/>
               </a:spcBef>
@@ -7956,7 +7859,7 @@
                 <a:cs typeface="+mn-cs"/>
               </a:defRPr>
             </a:lvl3pPr>
-            <a:lvl4pPr marL="1371600" indent="0" algn="l" fontAlgn="base" defTabSz="508000" eaLnBrk="0" hangingPunct="0">
+            <a:lvl4pPr marL="1371600" indent="0" algn="l" defTabSz="508000" eaLnBrk="0" fontAlgn="base" hangingPunct="0">
               <a:spcBef>
                 <a:spcPct val="0"/>
               </a:spcBef>
@@ -7974,7 +7877,7 @@
                 <a:cs typeface="+mn-cs"/>
               </a:defRPr>
             </a:lvl4pPr>
-            <a:lvl5pPr marL="1828800" indent="0" algn="l" fontAlgn="base" defTabSz="508000" eaLnBrk="0" hangingPunct="0">
+            <a:lvl5pPr marL="1828800" indent="0" algn="l" defTabSz="508000" eaLnBrk="0" fontAlgn="base" hangingPunct="0">
               <a:spcBef>
                 <a:spcPct val="0"/>
               </a:spcBef>
@@ -8042,7 +7945,7 @@
             </a:lvl9pPr>
           </a:lstStyle>
           <a:p>
-            <a:pPr marL="0" indent="0" fontAlgn="auto" defTabSz="508000" eaLnBrk="1" hangingPunct="1">
+            <a:pPr marL="0" lvl="0" indent="0" defTabSz="508000" eaLnBrk="1" hangingPunct="1">
               <a:spcBef>
                 <a:spcPts val="0"/>
               </a:spcBef>
@@ -8056,21 +7959,21 @@
             <a:r>
               <a:rPr lang="en-US" sz="1200">
                 <a:solidFill>
-                  <a:srgbClr val="5B9CD5"/>
-                </a:solidFill>
-                <a:latin typeface="Arial" charset="0"/>
-                <a:ea typeface="Arial" charset="0"/>
-                <a:cs typeface="Arial" charset="0"/>
+                  <a:srgbClr val="5b9cd5"/>
+                </a:solidFill>
+                <a:latin typeface="Arial"/>
+                <a:ea typeface="Arial"/>
+                <a:cs typeface="Arial"/>
               </a:rPr>
               <a:t>Private subnet</a:t>
             </a:r>
             <a:endParaRPr lang="ko-KR" altLang="en-US" sz="1200">
               <a:solidFill>
-                <a:srgbClr val="5B9CD5"/>
+                <a:srgbClr val="5b9cd5"/>
               </a:solidFill>
-              <a:latin typeface="Arial" charset="0"/>
-              <a:ea typeface="Arial" charset="0"/>
-              <a:cs typeface="Arial" charset="0"/>
+              <a:latin typeface="Arial"/>
+              <a:ea typeface="Arial"/>
+              <a:cs typeface="Arial"/>
             </a:endParaRPr>
           </a:p>
         </p:txBody>
@@ -8084,49 +7987,44 @@
           <p:nvPr/>
         </p:nvPicPr>
         <p:blipFill rotWithShape="1">
-          <a:blip r:embed="rId14" cstate="print">
-            <a:extLst>
-              <a:ext uri="{28A0092B-C50C-407E-A947-70E740481C1C}">
-                <a14:useLocalDpi xmlns:a14="http://schemas.microsoft.com/office/drawing/2010/main" val="0"/>
-              </a:ext>
-            </a:extLst>
-          </a:blip>
+          <a:blip r:embed="rId15"/>
           <a:srcRect/>
           <a:stretch>
             <a:fillRect/>
           </a:stretch>
         </p:blipFill>
         <p:spPr>
-          <a:xfrm rot="0">
+          <a:xfrm>
             <a:off x="6122035" y="2124710"/>
             <a:ext cx="381635" cy="381635"/>
           </a:xfrm>
-          <a:prstGeom prst="rect"/>
+          <a:prstGeom prst="rect">
+            <a:avLst/>
+          </a:prstGeom>
           <a:noFill/>
         </p:spPr>
       </p:pic>
       <p:sp>
         <p:nvSpPr>
           <p:cNvPr id="28" name="Rect 0"/>
-          <p:cNvSpPr>
-            <a:spLocks/>
-          </p:cNvSpPr>
+          <p:cNvSpPr/>
           <p:nvPr/>
         </p:nvSpPr>
         <p:spPr>
-          <a:xfrm rot="0">
+          <a:xfrm>
             <a:off x="6102985" y="3084830"/>
             <a:ext cx="2025015" cy="960755"/>
           </a:xfrm>
-          <a:prstGeom prst="rect"/>
+          <a:prstGeom prst="rect">
+            <a:avLst/>
+          </a:prstGeom>
           <a:solidFill>
-            <a:srgbClr val="007CBC">
-              <a:alpha val="8635"/>
+            <a:srgbClr val="007cbc">
+              <a:alpha val="8640"/>
             </a:srgbClr>
           </a:solidFill>
           <a:ln w="0">
             <a:noFill/>
-            <a:prstDash/>
           </a:ln>
         </p:spPr>
         <p:style>
@@ -8146,11 +8044,11 @@
           </a:fontRef>
         </p:style>
         <p:txBody>
-          <a:bodyPr wrap="square" lIns="502920" tIns="45720" rIns="91440" bIns="45720" numCol="1" vert="horz" anchor="t">
+          <a:bodyPr vert="horz" wrap="square" lIns="502920" tIns="45720" rIns="91440" bIns="45720" anchor="t">
             <a:noAutofit/>
           </a:bodyPr>
           <a:lstStyle>
-            <a:lvl1pPr marL="0" indent="0" algn="l" fontAlgn="base" defTabSz="508000" eaLnBrk="0" hangingPunct="0">
+            <a:lvl1pPr marL="0" indent="0" algn="l" defTabSz="508000" eaLnBrk="0" fontAlgn="base" hangingPunct="0">
               <a:spcBef>
                 <a:spcPct val="0"/>
               </a:spcBef>
@@ -8168,7 +8066,7 @@
                 <a:cs typeface="+mn-cs"/>
               </a:defRPr>
             </a:lvl1pPr>
-            <a:lvl2pPr marL="457200" indent="0" algn="l" fontAlgn="base" defTabSz="508000" eaLnBrk="0" hangingPunct="0">
+            <a:lvl2pPr marL="457200" indent="0" algn="l" defTabSz="508000" eaLnBrk="0" fontAlgn="base" hangingPunct="0">
               <a:spcBef>
                 <a:spcPct val="0"/>
               </a:spcBef>
@@ -8186,7 +8084,7 @@
                 <a:cs typeface="+mn-cs"/>
               </a:defRPr>
             </a:lvl2pPr>
-            <a:lvl3pPr marL="914400" indent="0" algn="l" fontAlgn="base" defTabSz="508000" eaLnBrk="0" hangingPunct="0">
+            <a:lvl3pPr marL="914400" indent="0" algn="l" defTabSz="508000" eaLnBrk="0" fontAlgn="base" hangingPunct="0">
               <a:spcBef>
                 <a:spcPct val="0"/>
               </a:spcBef>
@@ -8204,7 +8102,7 @@
                 <a:cs typeface="+mn-cs"/>
               </a:defRPr>
             </a:lvl3pPr>
-            <a:lvl4pPr marL="1371600" indent="0" algn="l" fontAlgn="base" defTabSz="508000" eaLnBrk="0" hangingPunct="0">
+            <a:lvl4pPr marL="1371600" indent="0" algn="l" defTabSz="508000" eaLnBrk="0" fontAlgn="base" hangingPunct="0">
               <a:spcBef>
                 <a:spcPct val="0"/>
               </a:spcBef>
@@ -8222,7 +8120,7 @@
                 <a:cs typeface="+mn-cs"/>
               </a:defRPr>
             </a:lvl4pPr>
-            <a:lvl5pPr marL="1828800" indent="0" algn="l" fontAlgn="base" defTabSz="508000" eaLnBrk="0" hangingPunct="0">
+            <a:lvl5pPr marL="1828800" indent="0" algn="l" defTabSz="508000" eaLnBrk="0" fontAlgn="base" hangingPunct="0">
               <a:spcBef>
                 <a:spcPct val="0"/>
               </a:spcBef>
@@ -8290,7 +8188,7 @@
             </a:lvl9pPr>
           </a:lstStyle>
           <a:p>
-            <a:pPr marL="0" indent="0" fontAlgn="auto" defTabSz="508000" eaLnBrk="1" hangingPunct="1">
+            <a:pPr marL="0" lvl="0" indent="0" defTabSz="508000" eaLnBrk="1" hangingPunct="1">
               <a:spcBef>
                 <a:spcPts val="0"/>
               </a:spcBef>
@@ -8304,21 +8202,21 @@
             <a:r>
               <a:rPr lang="en-US" sz="1200">
                 <a:solidFill>
-                  <a:srgbClr val="5B9CD5"/>
-                </a:solidFill>
-                <a:latin typeface="Arial" charset="0"/>
-                <a:ea typeface="Arial" charset="0"/>
-                <a:cs typeface="Arial" charset="0"/>
+                  <a:srgbClr val="5b9cd5"/>
+                </a:solidFill>
+                <a:latin typeface="Arial"/>
+                <a:ea typeface="Arial"/>
+                <a:cs typeface="Arial"/>
               </a:rPr>
               <a:t>Private subnet</a:t>
             </a:r>
             <a:endParaRPr lang="ko-KR" altLang="en-US" sz="1200">
               <a:solidFill>
-                <a:srgbClr val="5B9CD5"/>
+                <a:srgbClr val="5b9cd5"/>
               </a:solidFill>
-              <a:latin typeface="Arial" charset="0"/>
-              <a:ea typeface="Arial" charset="0"/>
-              <a:cs typeface="Arial" charset="0"/>
+              <a:latin typeface="Arial"/>
+              <a:ea typeface="Arial"/>
+              <a:cs typeface="Arial"/>
             </a:endParaRPr>
           </a:p>
         </p:txBody>
@@ -8332,24 +8230,20 @@
           <p:nvPr/>
         </p:nvPicPr>
         <p:blipFill rotWithShape="1">
-          <a:blip r:embed="rId14" cstate="print">
-            <a:extLst>
-              <a:ext uri="{28A0092B-C50C-407E-A947-70E740481C1C}">
-                <a14:useLocalDpi xmlns:a14="http://schemas.microsoft.com/office/drawing/2010/main" val="0"/>
-              </a:ext>
-            </a:extLst>
-          </a:blip>
+          <a:blip r:embed="rId16"/>
           <a:srcRect/>
           <a:stretch>
             <a:fillRect/>
           </a:stretch>
         </p:blipFill>
         <p:spPr>
-          <a:xfrm rot="0">
+          <a:xfrm>
             <a:off x="6104890" y="3084830"/>
             <a:ext cx="381635" cy="381635"/>
           </a:xfrm>
-          <a:prstGeom prst="rect"/>
+          <a:prstGeom prst="rect">
+            <a:avLst/>
+          </a:prstGeom>
           <a:noFill/>
         </p:spPr>
       </p:pic>
@@ -8362,28 +8256,23 @@
           <p:nvPr/>
         </p:nvPicPr>
         <p:blipFill rotWithShape="1">
-          <a:blip r:embed="rId15" cstate="print">
-            <a:extLst>
-              <a:ext uri="{28A0092B-C50C-407E-A947-70E740481C1C}">
-                <a14:useLocalDpi xmlns:a14="http://schemas.microsoft.com/office/drawing/2010/main" val="0"/>
-              </a:ext>
-            </a:extLst>
-          </a:blip>
+          <a:blip r:embed="rId17"/>
           <a:srcRect/>
           <a:stretch>
             <a:fillRect/>
           </a:stretch>
         </p:blipFill>
-        <p:spPr bwMode="auto">
-          <a:xfrm rot="0">
+        <p:spPr>
+          <a:xfrm>
             <a:off x="7760335" y="980440"/>
             <a:ext cx="540385" cy="540385"/>
           </a:xfrm>
-          <a:prstGeom prst="rect"/>
+          <a:prstGeom prst="rect">
+            <a:avLst/>
+          </a:prstGeom>
           <a:noFill/>
           <a:ln w="0">
             <a:noFill/>
-            <a:prstDash/>
           </a:ln>
         </p:spPr>
       </p:pic>
@@ -8396,28 +8285,23 @@
           <p:nvPr/>
         </p:nvPicPr>
         <p:blipFill rotWithShape="1">
-          <a:blip r:embed="rId16" cstate="print">
-            <a:extLst>
-              <a:ext uri="{28A0092B-C50C-407E-A947-70E740481C1C}">
-                <a14:useLocalDpi xmlns:a14="http://schemas.microsoft.com/office/drawing/2010/main" val="0"/>
-              </a:ext>
-            </a:extLst>
-          </a:blip>
+          <a:blip r:embed="rId18"/>
           <a:srcRect/>
           <a:stretch>
             <a:fillRect/>
           </a:stretch>
         </p:blipFill>
-        <p:spPr bwMode="auto">
-          <a:xfrm rot="0">
+        <p:spPr>
+          <a:xfrm>
             <a:off x="7056755" y="2458720"/>
             <a:ext cx="360680" cy="360680"/>
           </a:xfrm>
-          <a:prstGeom prst="rect"/>
+          <a:prstGeom prst="rect">
+            <a:avLst/>
+          </a:prstGeom>
           <a:noFill/>
           <a:ln w="0">
             <a:noFill/>
-            <a:prstDash/>
           </a:ln>
         </p:spPr>
       </p:pic>
@@ -8430,53 +8314,47 @@
           <p:nvPr/>
         </p:nvPicPr>
         <p:blipFill rotWithShape="1">
-          <a:blip r:embed="rId16" cstate="print">
-            <a:extLst>
-              <a:ext uri="{28A0092B-C50C-407E-A947-70E740481C1C}">
-                <a14:useLocalDpi xmlns:a14="http://schemas.microsoft.com/office/drawing/2010/main" val="0"/>
-              </a:ext>
-            </a:extLst>
-          </a:blip>
+          <a:blip r:embed="rId19"/>
           <a:srcRect/>
           <a:stretch>
             <a:fillRect/>
           </a:stretch>
         </p:blipFill>
-        <p:spPr bwMode="auto">
-          <a:xfrm rot="0">
+        <p:spPr>
+          <a:xfrm>
             <a:off x="7092950" y="3602355"/>
             <a:ext cx="360680" cy="360680"/>
           </a:xfrm>
-          <a:prstGeom prst="rect"/>
+          <a:prstGeom prst="rect">
+            <a:avLst/>
+          </a:prstGeom>
           <a:noFill/>
           <a:ln w="0">
             <a:noFill/>
-            <a:prstDash/>
           </a:ln>
         </p:spPr>
       </p:pic>
       <p:sp>
         <p:nvSpPr>
           <p:cNvPr id="33" name="Rect 0"/>
-          <p:cNvSpPr>
-            <a:spLocks/>
-          </p:cNvSpPr>
+          <p:cNvSpPr/>
           <p:nvPr/>
         </p:nvSpPr>
         <p:spPr>
-          <a:xfrm rot="0">
+          <a:xfrm>
             <a:off x="3582035" y="5030470"/>
             <a:ext cx="2091690" cy="1017270"/>
           </a:xfrm>
-          <a:prstGeom prst="rect"/>
+          <a:prstGeom prst="rect">
+            <a:avLst/>
+          </a:prstGeom>
           <a:solidFill>
-            <a:srgbClr val="1D8900">
-              <a:alpha val="8635"/>
+            <a:srgbClr val="1d8900">
+              <a:alpha val="8640"/>
             </a:srgbClr>
           </a:solidFill>
           <a:ln w="0">
             <a:noFill/>
-            <a:prstDash/>
           </a:ln>
         </p:spPr>
         <p:style>
@@ -8496,11 +8374,11 @@
           </a:fontRef>
         </p:style>
         <p:txBody>
-          <a:bodyPr wrap="square" lIns="502920" tIns="45720" rIns="91440" bIns="45720" numCol="1" vert="horz" anchor="t">
+          <a:bodyPr vert="horz" wrap="square" lIns="502920" tIns="45720" rIns="91440" bIns="45720" anchor="t">
             <a:noAutofit/>
           </a:bodyPr>
           <a:lstStyle>
-            <a:lvl1pPr marL="0" indent="0" algn="l" fontAlgn="base" defTabSz="508000" eaLnBrk="0" hangingPunct="0">
+            <a:lvl1pPr marL="0" indent="0" algn="l" defTabSz="508000" eaLnBrk="0" fontAlgn="base" hangingPunct="0">
               <a:spcBef>
                 <a:spcPct val="0"/>
               </a:spcBef>
@@ -8518,7 +8396,7 @@
                 <a:cs typeface="+mn-cs"/>
               </a:defRPr>
             </a:lvl1pPr>
-            <a:lvl2pPr marL="457200" indent="0" algn="l" fontAlgn="base" defTabSz="508000" eaLnBrk="0" hangingPunct="0">
+            <a:lvl2pPr marL="457200" indent="0" algn="l" defTabSz="508000" eaLnBrk="0" fontAlgn="base" hangingPunct="0">
               <a:spcBef>
                 <a:spcPct val="0"/>
               </a:spcBef>
@@ -8536,7 +8414,7 @@
                 <a:cs typeface="+mn-cs"/>
               </a:defRPr>
             </a:lvl2pPr>
-            <a:lvl3pPr marL="914400" indent="0" algn="l" fontAlgn="base" defTabSz="508000" eaLnBrk="0" hangingPunct="0">
+            <a:lvl3pPr marL="914400" indent="0" algn="l" defTabSz="508000" eaLnBrk="0" fontAlgn="base" hangingPunct="0">
               <a:spcBef>
                 <a:spcPct val="0"/>
               </a:spcBef>
@@ -8554,7 +8432,7 @@
                 <a:cs typeface="+mn-cs"/>
               </a:defRPr>
             </a:lvl3pPr>
-            <a:lvl4pPr marL="1371600" indent="0" algn="l" fontAlgn="base" defTabSz="508000" eaLnBrk="0" hangingPunct="0">
+            <a:lvl4pPr marL="1371600" indent="0" algn="l" defTabSz="508000" eaLnBrk="0" fontAlgn="base" hangingPunct="0">
               <a:spcBef>
                 <a:spcPct val="0"/>
               </a:spcBef>
@@ -8572,7 +8450,7 @@
                 <a:cs typeface="+mn-cs"/>
               </a:defRPr>
             </a:lvl4pPr>
-            <a:lvl5pPr marL="1828800" indent="0" algn="l" fontAlgn="base" defTabSz="508000" eaLnBrk="0" hangingPunct="0">
+            <a:lvl5pPr marL="1828800" indent="0" algn="l" defTabSz="508000" eaLnBrk="0" fontAlgn="base" hangingPunct="0">
               <a:spcBef>
                 <a:spcPct val="0"/>
               </a:spcBef>
@@ -8640,7 +8518,7 @@
             </a:lvl9pPr>
           </a:lstStyle>
           <a:p>
-            <a:pPr marL="0" indent="0" fontAlgn="auto" defTabSz="508000" eaLnBrk="1" hangingPunct="1">
+            <a:pPr marL="0" lvl="0" indent="0" defTabSz="508000" eaLnBrk="1" hangingPunct="1">
               <a:spcBef>
                 <a:spcPts val="0"/>
               </a:spcBef>
@@ -8654,21 +8532,21 @@
             <a:r>
               <a:rPr lang="en-US" sz="1200">
                 <a:solidFill>
-                  <a:srgbClr val="1E8900"/>
-                </a:solidFill>
-                <a:latin typeface="Arial" charset="0"/>
-                <a:ea typeface="Arial" charset="0"/>
-                <a:cs typeface="Arial" charset="0"/>
+                  <a:srgbClr val="1e8900"/>
+                </a:solidFill>
+                <a:latin typeface="Arial"/>
+                <a:ea typeface="Arial"/>
+                <a:cs typeface="Arial"/>
               </a:rPr>
               <a:t>Public subnet</a:t>
             </a:r>
             <a:endParaRPr lang="ko-KR" altLang="en-US" sz="1200">
               <a:solidFill>
-                <a:srgbClr val="1E8900"/>
+                <a:srgbClr val="1e8900"/>
               </a:solidFill>
-              <a:latin typeface="Arial" charset="0"/>
-              <a:ea typeface="Arial" charset="0"/>
-              <a:cs typeface="Arial" charset="0"/>
+              <a:latin typeface="Arial"/>
+              <a:ea typeface="Arial"/>
+              <a:cs typeface="Arial"/>
             </a:endParaRPr>
           </a:p>
         </p:txBody>
@@ -8682,24 +8560,20 @@
           <p:nvPr/>
         </p:nvPicPr>
         <p:blipFill rotWithShape="1">
-          <a:blip r:embed="rId10" cstate="print">
-            <a:extLst>
-              <a:ext uri="{28A0092B-C50C-407E-A947-70E740481C1C}">
-                <a14:useLocalDpi xmlns:a14="http://schemas.microsoft.com/office/drawing/2010/main" val="0"/>
-              </a:ext>
-            </a:extLst>
-          </a:blip>
+          <a:blip r:embed="rId20"/>
           <a:srcRect/>
           <a:stretch>
             <a:fillRect/>
           </a:stretch>
         </p:blipFill>
         <p:spPr>
-          <a:xfrm rot="0">
+          <a:xfrm>
             <a:off x="3582670" y="5031740"/>
             <a:ext cx="381635" cy="381635"/>
           </a:xfrm>
-          <a:prstGeom prst="rect"/>
+          <a:prstGeom prst="rect">
+            <a:avLst/>
+          </a:prstGeom>
           <a:noFill/>
         </p:spPr>
       </p:pic>
@@ -8712,28 +8586,23 @@
           <p:nvPr/>
         </p:nvPicPr>
         <p:blipFill rotWithShape="1">
-          <a:blip r:embed="rId16" cstate="print">
-            <a:extLst>
-              <a:ext uri="{28A0092B-C50C-407E-A947-70E740481C1C}">
-                <a14:useLocalDpi xmlns:a14="http://schemas.microsoft.com/office/drawing/2010/main" val="0"/>
-              </a:ext>
-            </a:extLst>
-          </a:blip>
+          <a:blip r:embed="rId21"/>
           <a:srcRect/>
           <a:stretch>
             <a:fillRect/>
           </a:stretch>
         </p:blipFill>
-        <p:spPr bwMode="auto">
-          <a:xfrm rot="0">
+        <p:spPr>
+          <a:xfrm>
             <a:off x="3816985" y="2804160"/>
             <a:ext cx="360680" cy="360680"/>
           </a:xfrm>
-          <a:prstGeom prst="rect"/>
+          <a:prstGeom prst="rect">
+            <a:avLst/>
+          </a:prstGeom>
           <a:noFill/>
           <a:ln w="0">
             <a:noFill/>
-            <a:prstDash/>
           </a:ln>
         </p:spPr>
       </p:pic>
@@ -8746,28 +8615,23 @@
           <p:nvPr/>
         </p:nvPicPr>
         <p:blipFill rotWithShape="1">
-          <a:blip r:embed="rId16" cstate="print">
-            <a:extLst>
-              <a:ext uri="{28A0092B-C50C-407E-A947-70E740481C1C}">
-                <a14:useLocalDpi xmlns:a14="http://schemas.microsoft.com/office/drawing/2010/main" val="0"/>
-              </a:ext>
-            </a:extLst>
-          </a:blip>
+          <a:blip r:embed="rId22"/>
           <a:srcRect/>
           <a:stretch>
             <a:fillRect/>
           </a:stretch>
         </p:blipFill>
-        <p:spPr bwMode="auto">
-          <a:xfrm rot="0">
+        <p:spPr>
+          <a:xfrm>
             <a:off x="4164965" y="5341620"/>
             <a:ext cx="360680" cy="360680"/>
           </a:xfrm>
-          <a:prstGeom prst="rect"/>
+          <a:prstGeom prst="rect">
+            <a:avLst/>
+          </a:prstGeom>
           <a:noFill/>
           <a:ln w="0">
             <a:noFill/>
-            <a:prstDash/>
           </a:ln>
         </p:spPr>
       </p:pic>
@@ -8780,28 +8644,23 @@
           <p:nvPr/>
         </p:nvPicPr>
         <p:blipFill rotWithShape="1">
-          <a:blip r:embed="rId17" cstate="print">
-            <a:extLst>
-              <a:ext uri="{28A0092B-C50C-407E-A947-70E740481C1C}">
-                <a14:useLocalDpi xmlns:a14="http://schemas.microsoft.com/office/drawing/2010/main" val="0"/>
-              </a:ext>
-            </a:extLst>
-          </a:blip>
+          <a:blip r:embed="rId23"/>
           <a:srcRect/>
           <a:stretch>
             <a:fillRect/>
           </a:stretch>
         </p:blipFill>
-        <p:spPr bwMode="auto">
-          <a:xfrm rot="0">
+        <p:spPr>
+          <a:xfrm>
             <a:off x="9730105" y="992505"/>
             <a:ext cx="540385" cy="540385"/>
           </a:xfrm>
-          <a:prstGeom prst="rect"/>
+          <a:prstGeom prst="rect">
+            <a:avLst/>
+          </a:prstGeom>
           <a:noFill/>
           <a:ln w="0">
             <a:noFill/>
-            <a:prstDash/>
           </a:ln>
         </p:spPr>
       </p:pic>
@@ -8814,28 +8673,23 @@
           <p:nvPr/>
         </p:nvPicPr>
         <p:blipFill rotWithShape="1">
-          <a:blip r:embed="rId18" cstate="print">
-            <a:extLst>
-              <a:ext uri="{28A0092B-C50C-407E-A947-70E740481C1C}">
-                <a14:useLocalDpi xmlns:a14="http://schemas.microsoft.com/office/drawing/2010/main" val="0"/>
-              </a:ext>
-            </a:extLst>
-          </a:blip>
+          <a:blip r:embed="rId24"/>
           <a:srcRect/>
           <a:stretch>
             <a:fillRect/>
           </a:stretch>
         </p:blipFill>
-        <p:spPr bwMode="auto">
-          <a:xfrm rot="0">
+        <p:spPr>
+          <a:xfrm>
             <a:off x="2402205" y="2444115"/>
             <a:ext cx="360680" cy="360680"/>
           </a:xfrm>
-          <a:prstGeom prst="rect"/>
+          <a:prstGeom prst="rect">
+            <a:avLst/>
+          </a:prstGeom>
           <a:noFill/>
           <a:ln w="0">
             <a:noFill/>
-            <a:prstDash/>
           </a:ln>
         </p:spPr>
       </p:pic>
@@ -8848,28 +8702,23 @@
           <p:nvPr/>
         </p:nvPicPr>
         <p:blipFill rotWithShape="1">
-          <a:blip r:embed="rId18" cstate="print">
-            <a:extLst>
-              <a:ext uri="{28A0092B-C50C-407E-A947-70E740481C1C}">
-                <a14:useLocalDpi xmlns:a14="http://schemas.microsoft.com/office/drawing/2010/main" val="0"/>
-              </a:ext>
-            </a:extLst>
-          </a:blip>
+          <a:blip r:embed="rId25"/>
           <a:srcRect/>
           <a:stretch>
             <a:fillRect/>
           </a:stretch>
         </p:blipFill>
-        <p:spPr bwMode="auto">
-          <a:xfrm rot="0">
+        <p:spPr>
+          <a:xfrm>
             <a:off x="2336165" y="5433060"/>
             <a:ext cx="360680" cy="360680"/>
           </a:xfrm>
-          <a:prstGeom prst="rect"/>
+          <a:prstGeom prst="rect">
+            <a:avLst/>
+          </a:prstGeom>
           <a:noFill/>
           <a:ln w="0">
             <a:noFill/>
-            <a:prstDash/>
           </a:ln>
         </p:spPr>
       </p:pic>
@@ -8882,28 +8731,23 @@
           <p:nvPr/>
         </p:nvPicPr>
         <p:blipFill rotWithShape="1">
-          <a:blip r:embed="rId19" cstate="print">
-            <a:extLst>
-              <a:ext uri="{28A0092B-C50C-407E-A947-70E740481C1C}">
-                <a14:useLocalDpi xmlns:a14="http://schemas.microsoft.com/office/drawing/2010/main" val="0"/>
-              </a:ext>
-            </a:extLst>
-          </a:blip>
+          <a:blip r:embed="rId26"/>
           <a:srcRect/>
           <a:stretch>
             <a:fillRect/>
           </a:stretch>
         </p:blipFill>
-        <p:spPr bwMode="auto">
-          <a:xfrm rot="0">
+        <p:spPr>
+          <a:xfrm>
             <a:off x="3964305" y="1734185"/>
             <a:ext cx="360680" cy="360680"/>
           </a:xfrm>
-          <a:prstGeom prst="rect"/>
+          <a:prstGeom prst="rect">
+            <a:avLst/>
+          </a:prstGeom>
           <a:noFill/>
           <a:ln w="0">
             <a:noFill/>
-            <a:prstDash/>
           </a:ln>
         </p:spPr>
       </p:pic>
@@ -8916,28 +8760,23 @@
           <p:nvPr/>
         </p:nvPicPr>
         <p:blipFill rotWithShape="1">
-          <a:blip r:embed="rId20" cstate="print">
-            <a:extLst>
-              <a:ext uri="{28A0092B-C50C-407E-A947-70E740481C1C}">
-                <a14:useLocalDpi xmlns:a14="http://schemas.microsoft.com/office/drawing/2010/main" val="0"/>
-              </a:ext>
-            </a:extLst>
-          </a:blip>
+          <a:blip r:embed="rId27"/>
           <a:srcRect/>
           <a:stretch>
             <a:fillRect/>
           </a:stretch>
         </p:blipFill>
-        <p:spPr bwMode="auto">
-          <a:xfrm rot="0">
+        <p:spPr>
+          <a:xfrm>
             <a:off x="7712075" y="3104515"/>
             <a:ext cx="360680" cy="360680"/>
           </a:xfrm>
-          <a:prstGeom prst="rect"/>
+          <a:prstGeom prst="rect">
+            <a:avLst/>
+          </a:prstGeom>
           <a:noFill/>
           <a:ln w="0">
             <a:noFill/>
-            <a:prstDash/>
           </a:ln>
         </p:spPr>
       </p:pic>
@@ -8950,28 +8789,23 @@
           <p:nvPr/>
         </p:nvPicPr>
         <p:blipFill rotWithShape="1">
-          <a:blip r:embed="rId21" cstate="print">
-            <a:extLst>
-              <a:ext uri="{28A0092B-C50C-407E-A947-70E740481C1C}">
-                <a14:useLocalDpi xmlns:a14="http://schemas.microsoft.com/office/drawing/2010/main" val="0"/>
-              </a:ext>
-            </a:extLst>
-          </a:blip>
+          <a:blip r:embed="rId28"/>
           <a:srcRect/>
           <a:stretch>
             <a:fillRect/>
           </a:stretch>
         </p:blipFill>
-        <p:spPr bwMode="auto">
-          <a:xfrm rot="0">
+        <p:spPr>
+          <a:xfrm>
             <a:off x="3963670" y="3849370"/>
             <a:ext cx="360680" cy="360680"/>
           </a:xfrm>
-          <a:prstGeom prst="rect"/>
+          <a:prstGeom prst="rect">
+            <a:avLst/>
+          </a:prstGeom>
           <a:noFill/>
           <a:ln w="0">
             <a:noFill/>
-            <a:prstDash/>
           </a:ln>
         </p:spPr>
       </p:pic>
@@ -8984,28 +8818,23 @@
           <p:nvPr/>
         </p:nvPicPr>
         <p:blipFill rotWithShape="1">
-          <a:blip r:embed="rId9" cstate="print">
-            <a:extLst>
-              <a:ext uri="{28A0092B-C50C-407E-A947-70E740481C1C}">
-                <a14:useLocalDpi xmlns:a14="http://schemas.microsoft.com/office/drawing/2010/main" val="0"/>
-              </a:ext>
-            </a:extLst>
-          </a:blip>
+          <a:blip r:embed="rId29"/>
           <a:srcRect/>
           <a:stretch>
             <a:fillRect/>
           </a:stretch>
         </p:blipFill>
-        <p:spPr bwMode="auto">
-          <a:xfrm rot="0">
-            <a:off x="6842125" y="5572125"/>
+        <p:spPr>
+          <a:xfrm>
+            <a:off x="6871335" y="5358765"/>
             <a:ext cx="360680" cy="360680"/>
           </a:xfrm>
-          <a:prstGeom prst="rect"/>
+          <a:prstGeom prst="rect">
+            <a:avLst/>
+          </a:prstGeom>
           <a:noFill/>
           <a:ln w="0">
             <a:noFill/>
-            <a:prstDash/>
           </a:ln>
         </p:spPr>
       </p:pic>
@@ -9018,28 +8847,23 @@
           <p:nvPr/>
         </p:nvPicPr>
         <p:blipFill rotWithShape="1">
-          <a:blip r:embed="rId20" cstate="print">
-            <a:extLst>
-              <a:ext uri="{28A0092B-C50C-407E-A947-70E740481C1C}">
-                <a14:useLocalDpi xmlns:a14="http://schemas.microsoft.com/office/drawing/2010/main" val="0"/>
-              </a:ext>
-            </a:extLst>
-          </a:blip>
+          <a:blip r:embed="rId30"/>
           <a:srcRect/>
           <a:stretch>
             <a:fillRect/>
           </a:stretch>
         </p:blipFill>
-        <p:spPr bwMode="auto">
-          <a:xfrm rot="0">
+        <p:spPr>
+          <a:xfrm>
             <a:off x="5262880" y="5038725"/>
             <a:ext cx="360680" cy="360680"/>
           </a:xfrm>
-          <a:prstGeom prst="rect"/>
+          <a:prstGeom prst="rect">
+            <a:avLst/>
+          </a:prstGeom>
           <a:noFill/>
           <a:ln w="0">
             <a:noFill/>
-            <a:prstDash/>
           </a:ln>
         </p:spPr>
       </p:pic>
@@ -9052,28 +8876,23 @@
           <p:nvPr/>
         </p:nvPicPr>
         <p:blipFill rotWithShape="1">
-          <a:blip r:embed="rId20" cstate="print">
-            <a:extLst>
-              <a:ext uri="{28A0092B-C50C-407E-A947-70E740481C1C}">
-                <a14:useLocalDpi xmlns:a14="http://schemas.microsoft.com/office/drawing/2010/main" val="0"/>
-              </a:ext>
-            </a:extLst>
-          </a:blip>
+          <a:blip r:embed="rId31"/>
           <a:srcRect/>
           <a:stretch>
             <a:fillRect/>
           </a:stretch>
         </p:blipFill>
-        <p:spPr bwMode="auto">
-          <a:xfrm rot="0">
+        <p:spPr>
+          <a:xfrm>
             <a:off x="4753610" y="2533650"/>
             <a:ext cx="360680" cy="360680"/>
           </a:xfrm>
-          <a:prstGeom prst="rect"/>
+          <a:prstGeom prst="rect">
+            <a:avLst/>
+          </a:prstGeom>
           <a:noFill/>
           <a:ln w="0">
             <a:noFill/>
-            <a:prstDash/>
           </a:ln>
         </p:spPr>
       </p:pic>
@@ -9086,28 +8905,23 @@
           <p:nvPr/>
         </p:nvPicPr>
         <p:blipFill rotWithShape="1">
-          <a:blip r:embed="rId20" cstate="print">
-            <a:extLst>
-              <a:ext uri="{28A0092B-C50C-407E-A947-70E740481C1C}">
-                <a14:useLocalDpi xmlns:a14="http://schemas.microsoft.com/office/drawing/2010/main" val="0"/>
-              </a:ext>
-            </a:extLst>
-          </a:blip>
+          <a:blip r:embed="rId32"/>
           <a:srcRect/>
           <a:stretch>
             <a:fillRect/>
           </a:stretch>
         </p:blipFill>
-        <p:spPr bwMode="auto">
-          <a:xfrm rot="0">
+        <p:spPr>
+          <a:xfrm>
             <a:off x="7682230" y="2157730"/>
             <a:ext cx="360680" cy="360680"/>
           </a:xfrm>
-          <a:prstGeom prst="rect"/>
+          <a:prstGeom prst="rect">
+            <a:avLst/>
+          </a:prstGeom>
           <a:noFill/>
           <a:ln w="0">
             <a:noFill/>
-            <a:prstDash/>
           </a:ln>
         </p:spPr>
       </p:pic>
@@ -9120,28 +8934,23 @@
           <p:nvPr/>
         </p:nvPicPr>
         <p:blipFill rotWithShape="1">
-          <a:blip r:embed="rId20" cstate="print">
-            <a:extLst>
-              <a:ext uri="{28A0092B-C50C-407E-A947-70E740481C1C}">
-                <a14:useLocalDpi xmlns:a14="http://schemas.microsoft.com/office/drawing/2010/main" val="0"/>
-              </a:ext>
-            </a:extLst>
-          </a:blip>
+          <a:blip r:embed="rId33"/>
           <a:srcRect/>
           <a:stretch>
             <a:fillRect/>
           </a:stretch>
         </p:blipFill>
-        <p:spPr bwMode="auto">
-          <a:xfrm rot="0">
+        <p:spPr>
+          <a:xfrm>
             <a:off x="10826115" y="3564890"/>
             <a:ext cx="360680" cy="360680"/>
           </a:xfrm>
-          <a:prstGeom prst="rect"/>
+          <a:prstGeom prst="rect">
+            <a:avLst/>
+          </a:prstGeom>
           <a:noFill/>
           <a:ln w="0">
             <a:noFill/>
-            <a:prstDash/>
           </a:ln>
         </p:spPr>
       </p:pic>
@@ -9154,24 +8963,20 @@
           <p:nvPr/>
         </p:nvPicPr>
         <p:blipFill rotWithShape="1">
-          <a:blip r:embed="rId14" cstate="print">
-            <a:extLst>
-              <a:ext uri="{28A0092B-C50C-407E-A947-70E740481C1C}">
-                <a14:useLocalDpi xmlns:a14="http://schemas.microsoft.com/office/drawing/2010/main" val="0"/>
-              </a:ext>
-            </a:extLst>
-          </a:blip>
+          <a:blip r:embed="rId34"/>
           <a:srcRect/>
           <a:stretch>
             <a:fillRect/>
           </a:stretch>
         </p:blipFill>
         <p:spPr>
-          <a:xfrm rot="0">
+          <a:xfrm>
             <a:off x="9145270" y="1978025"/>
             <a:ext cx="381635" cy="381635"/>
           </a:xfrm>
-          <a:prstGeom prst="rect"/>
+          <a:prstGeom prst="rect">
+            <a:avLst/>
+          </a:prstGeom>
           <a:noFill/>
         </p:spPr>
       </p:pic>
@@ -9184,24 +8989,20 @@
           <p:nvPr/>
         </p:nvPicPr>
         <p:blipFill rotWithShape="1">
-          <a:blip r:embed="rId14" cstate="print">
-            <a:extLst>
-              <a:ext uri="{28A0092B-C50C-407E-A947-70E740481C1C}">
-                <a14:useLocalDpi xmlns:a14="http://schemas.microsoft.com/office/drawing/2010/main" val="0"/>
-              </a:ext>
-            </a:extLst>
-          </a:blip>
+          <a:blip r:embed="rId35"/>
           <a:srcRect/>
           <a:stretch>
             <a:fillRect/>
           </a:stretch>
         </p:blipFill>
         <p:spPr>
-          <a:xfrm rot="0">
+          <a:xfrm>
             <a:off x="9145270" y="3509010"/>
             <a:ext cx="381635" cy="381635"/>
           </a:xfrm>
-          <a:prstGeom prst="rect"/>
+          <a:prstGeom prst="rect">
+            <a:avLst/>
+          </a:prstGeom>
           <a:noFill/>
         </p:spPr>
       </p:pic>
@@ -9214,28 +9015,23 @@
           <p:nvPr/>
         </p:nvPicPr>
         <p:blipFill rotWithShape="1">
-          <a:blip r:embed="rId20" cstate="print">
-            <a:extLst>
-              <a:ext uri="{28A0092B-C50C-407E-A947-70E740481C1C}">
-                <a14:useLocalDpi xmlns:a14="http://schemas.microsoft.com/office/drawing/2010/main" val="0"/>
-              </a:ext>
-            </a:extLst>
-          </a:blip>
+          <a:blip r:embed="rId36"/>
           <a:srcRect/>
           <a:stretch>
             <a:fillRect/>
           </a:stretch>
         </p:blipFill>
-        <p:spPr bwMode="auto">
-          <a:xfrm rot="0">
+        <p:spPr>
+          <a:xfrm>
             <a:off x="10826115" y="2013585"/>
             <a:ext cx="360680" cy="360680"/>
           </a:xfrm>
-          <a:prstGeom prst="rect"/>
+          <a:prstGeom prst="rect">
+            <a:avLst/>
+          </a:prstGeom>
           <a:noFill/>
           <a:ln w="0">
             <a:noFill/>
-            <a:prstDash/>
           </a:ln>
         </p:spPr>
       </p:pic>
@@ -9248,28 +9044,23 @@
           <p:nvPr/>
         </p:nvPicPr>
         <p:blipFill rotWithShape="1">
-          <a:blip r:embed="rId3" cstate="print">
-            <a:extLst>
-              <a:ext uri="{28A0092B-C50C-407E-A947-70E740481C1C}">
-                <a14:useLocalDpi xmlns:a14="http://schemas.microsoft.com/office/drawing/2010/main" val="0"/>
-              </a:ext>
-            </a:extLst>
-          </a:blip>
+          <a:blip r:embed="rId37"/>
           <a:srcRect/>
           <a:stretch>
             <a:fillRect/>
           </a:stretch>
         </p:blipFill>
-        <p:spPr bwMode="auto">
-          <a:xfrm rot="0">
+        <p:spPr>
+          <a:xfrm>
             <a:off x="662940" y="5064760"/>
             <a:ext cx="360680" cy="360680"/>
           </a:xfrm>
-          <a:prstGeom prst="rect"/>
+          <a:prstGeom prst="rect">
+            <a:avLst/>
+          </a:prstGeom>
           <a:noFill/>
           <a:ln w="0">
             <a:noFill/>
-            <a:prstDash/>
           </a:ln>
         </p:spPr>
       </p:pic>
@@ -9282,28 +9073,23 @@
           <p:nvPr/>
         </p:nvPicPr>
         <p:blipFill rotWithShape="1">
-          <a:blip r:embed="rId22" cstate="print">
-            <a:extLst>
-              <a:ext uri="{28A0092B-C50C-407E-A947-70E740481C1C}">
-                <a14:useLocalDpi xmlns:a14="http://schemas.microsoft.com/office/drawing/2010/main" val="0"/>
-              </a:ext>
-            </a:extLst>
-          </a:blip>
+          <a:blip r:embed="rId38"/>
           <a:srcRect/>
           <a:stretch>
             <a:fillRect/>
           </a:stretch>
         </p:blipFill>
-        <p:spPr bwMode="auto">
-          <a:xfrm rot="0">
+        <p:spPr>
+          <a:xfrm>
             <a:off x="8439785" y="980440"/>
             <a:ext cx="540385" cy="540385"/>
           </a:xfrm>
-          <a:prstGeom prst="rect"/>
+          <a:prstGeom prst="rect">
+            <a:avLst/>
+          </a:prstGeom>
           <a:noFill/>
           <a:ln w="0">
             <a:noFill/>
-            <a:prstDash/>
           </a:ln>
         </p:spPr>
       </p:pic>
@@ -9316,28 +9102,23 @@
           <p:nvPr/>
         </p:nvPicPr>
         <p:blipFill rotWithShape="1">
-          <a:blip r:embed="rId23" cstate="print">
-            <a:extLst>
-              <a:ext uri="{28A0092B-C50C-407E-A947-70E740481C1C}">
-                <a14:useLocalDpi xmlns:a14="http://schemas.microsoft.com/office/drawing/2010/main" val="0"/>
-              </a:ext>
-            </a:extLst>
-          </a:blip>
+          <a:blip r:embed="rId39"/>
           <a:srcRect/>
           <a:stretch>
             <a:fillRect/>
           </a:stretch>
         </p:blipFill>
-        <p:spPr bwMode="auto">
-          <a:xfrm rot="0">
+        <p:spPr>
+          <a:xfrm>
             <a:off x="1819275" y="4209415"/>
             <a:ext cx="360680" cy="360680"/>
           </a:xfrm>
-          <a:prstGeom prst="rect"/>
+          <a:prstGeom prst="rect">
+            <a:avLst/>
+          </a:prstGeom>
           <a:noFill/>
           <a:ln w="0">
             <a:noFill/>
-            <a:prstDash/>
           </a:ln>
         </p:spPr>
       </p:pic>
@@ -9350,28 +9131,23 @@
           <p:nvPr/>
         </p:nvPicPr>
         <p:blipFill rotWithShape="1">
-          <a:blip r:embed="rId24" cstate="print">
-            <a:extLst>
-              <a:ext uri="{28A0092B-C50C-407E-A947-70E740481C1C}">
-                <a14:useLocalDpi xmlns:a14="http://schemas.microsoft.com/office/drawing/2010/main" val="0"/>
-              </a:ext>
-            </a:extLst>
-          </a:blip>
+          <a:blip r:embed="rId40"/>
           <a:srcRect/>
           <a:stretch>
             <a:fillRect/>
           </a:stretch>
         </p:blipFill>
-        <p:spPr bwMode="auto">
-          <a:xfrm rot="0">
+        <p:spPr>
+          <a:xfrm>
             <a:off x="1811020" y="4592955"/>
             <a:ext cx="360680" cy="360680"/>
           </a:xfrm>
-          <a:prstGeom prst="rect"/>
+          <a:prstGeom prst="rect">
+            <a:avLst/>
+          </a:prstGeom>
           <a:noFill/>
           <a:ln w="0">
             <a:noFill/>
-            <a:prstDash/>
           </a:ln>
         </p:spPr>
       </p:pic>
@@ -9384,28 +9160,23 @@
           <p:nvPr/>
         </p:nvPicPr>
         <p:blipFill rotWithShape="1">
-          <a:blip r:embed="rId25" cstate="print">
-            <a:extLst>
-              <a:ext uri="{28A0092B-C50C-407E-A947-70E740481C1C}">
-                <a14:useLocalDpi xmlns:a14="http://schemas.microsoft.com/office/drawing/2010/main" val="0"/>
-              </a:ext>
-            </a:extLst>
-          </a:blip>
+          <a:blip r:embed="rId41"/>
           <a:srcRect/>
           <a:stretch>
             <a:fillRect/>
           </a:stretch>
         </p:blipFill>
-        <p:spPr bwMode="auto">
-          <a:xfrm rot="0">
+        <p:spPr>
+          <a:xfrm>
             <a:off x="9100185" y="980440"/>
             <a:ext cx="540385" cy="540385"/>
           </a:xfrm>
-          <a:prstGeom prst="rect"/>
+          <a:prstGeom prst="rect">
+            <a:avLst/>
+          </a:prstGeom>
           <a:noFill/>
           <a:ln w="0">
             <a:noFill/>
-            <a:prstDash/>
           </a:ln>
         </p:spPr>
       </p:pic>
@@ -9418,28 +9189,23 @@
           <p:nvPr/>
         </p:nvPicPr>
         <p:blipFill rotWithShape="1">
-          <a:blip r:embed="rId26" cstate="print">
-            <a:extLst>
-              <a:ext uri="{28A0092B-C50C-407E-A947-70E740481C1C}">
-                <a14:useLocalDpi xmlns:a14="http://schemas.microsoft.com/office/drawing/2010/main" val="0"/>
-              </a:ext>
-            </a:extLst>
-          </a:blip>
+          <a:blip r:embed="rId42"/>
           <a:srcRect/>
           <a:stretch>
             <a:fillRect/>
           </a:stretch>
         </p:blipFill>
-        <p:spPr bwMode="auto">
-          <a:xfrm rot="0">
+        <p:spPr>
+          <a:xfrm>
             <a:off x="8225790" y="5058410"/>
             <a:ext cx="360680" cy="360680"/>
           </a:xfrm>
-          <a:prstGeom prst="rect"/>
+          <a:prstGeom prst="rect">
+            <a:avLst/>
+          </a:prstGeom>
           <a:noFill/>
           <a:ln w="0">
             <a:noFill/>
-            <a:prstDash/>
           </a:ln>
         </p:spPr>
       </p:pic>
@@ -9453,14 +9219,18 @@
           <p:nvPr/>
         </p:nvCxnSpPr>
         <p:spPr>
-          <a:xfrm rot="0" flipV="1">
+          <a:xfrm flipV="1">
             <a:off x="8479790" y="2295525"/>
             <a:ext cx="407035" cy="688340"/>
           </a:xfrm>
-          <a:prstGeom prst="bentConnector3"/>
+          <a:prstGeom prst="bentConnector3">
+            <a:avLst>
+              <a:gd name="adj1" fmla="val 50000"/>
+            </a:avLst>
+          </a:prstGeom>
           <a:ln w="12700" cap="flat" cmpd="sng">
             <a:solidFill>
-              <a:srgbClr val="545B64">
+              <a:srgbClr val="545b64">
                 <a:alpha val="100000"/>
               </a:srgbClr>
             </a:solidFill>
@@ -9493,14 +9263,16 @@
           <p:nvPr/>
         </p:nvCxnSpPr>
         <p:spPr>
-          <a:xfrm rot="0" flipH="1" flipV="1">
+          <a:xfrm flipH="1" flipV="1">
             <a:off x="930275" y="1464310"/>
             <a:ext cx="5080" cy="843280"/>
           </a:xfrm>
-          <a:prstGeom prst="straightConnector1"/>
+          <a:prstGeom prst="straightConnector1">
+            <a:avLst/>
+          </a:prstGeom>
           <a:ln w="12700" cap="flat" cmpd="sng">
             <a:solidFill>
-              <a:srgbClr val="545B64">
+              <a:srgbClr val="545b64">
                 <a:alpha val="100000"/>
               </a:srgbClr>
             </a:solidFill>
@@ -9533,14 +9305,16 @@
           <p:nvPr/>
         </p:nvCxnSpPr>
         <p:spPr>
-          <a:xfrm rot="0">
+          <a:xfrm>
             <a:off x="842645" y="5424805"/>
             <a:ext cx="635" cy="280035"/>
           </a:xfrm>
-          <a:prstGeom prst="straightConnector1"/>
+          <a:prstGeom prst="straightConnector1">
+            <a:avLst/>
+          </a:prstGeom>
           <a:ln w="12700" cap="flat" cmpd="sng">
             <a:solidFill>
-              <a:srgbClr val="545B64">
+              <a:srgbClr val="545b64">
                 <a:alpha val="100000"/>
               </a:srgbClr>
             </a:solidFill>
@@ -9573,14 +9347,18 @@
           <p:nvPr/>
         </p:nvCxnSpPr>
         <p:spPr>
-          <a:xfrm rot="0">
+          <a:xfrm>
             <a:off x="1022985" y="5245100"/>
             <a:ext cx="1313815" cy="368935"/>
           </a:xfrm>
-          <a:prstGeom prst="bentConnector3"/>
+          <a:prstGeom prst="bentConnector3">
+            <a:avLst>
+              <a:gd name="adj1" fmla="val 50000"/>
+            </a:avLst>
+          </a:prstGeom>
           <a:ln w="12700" cap="flat" cmpd="sng">
             <a:solidFill>
-              <a:srgbClr val="545B64">
+              <a:srgbClr val="545b64">
                 <a:alpha val="100000"/>
               </a:srgbClr>
             </a:solidFill>
@@ -9624,7 +9402,7 @@
           </a:prstGeom>
           <a:ln w="12700" cap="flat" cmpd="sng">
             <a:solidFill>
-              <a:srgbClr val="545B64">
+              <a:srgbClr val="545b64">
                 <a:alpha val="100000"/>
               </a:srgbClr>
             </a:solidFill>
@@ -9650,9 +9428,7 @@
       <p:sp>
         <p:nvSpPr>
           <p:cNvPr id="78" name="Rect 0"/>
-          <p:cNvSpPr>
-            <a:spLocks/>
-          </p:cNvSpPr>
+          <p:cNvSpPr/>
           <p:nvPr/>
         </p:nvSpPr>
         <p:spPr>
@@ -9660,10 +9436,12 @@
             <a:off x="2179320" y="4831080"/>
             <a:ext cx="157480" cy="782320"/>
           </a:xfrm>
-          <a:prstGeom prst="bentConnector2"/>
+          <a:prstGeom prst="bentConnector2">
+            <a:avLst/>
+          </a:prstGeom>
           <a:ln w="12700" cap="flat" cmpd="sng">
             <a:solidFill>
-              <a:srgbClr val="545B64">
+              <a:srgbClr val="545b64">
                 <a:alpha val="100000"/>
               </a:srgbClr>
             </a:solidFill>
@@ -9686,12 +9464,12 @@
           </a:fontRef>
         </p:style>
         <p:txBody>
-          <a:bodyPr wrap="square" lIns="0" tIns="0" rIns="0" bIns="0" vert="horz" anchor="t">
+          <a:bodyPr vert="horz" wrap="square" lIns="0" tIns="0" rIns="0" bIns="0" anchor="t">
             <a:noAutofit/>
           </a:bodyPr>
           <a:lstStyle/>
           <a:p>
-            <a:pPr>
+            <a:pPr lvl="0">
               <a:defRPr/>
             </a:pPr>
             <a:endParaRPr lang="ko-KR" altLang="en-US"/>
@@ -9708,14 +9486,18 @@
           <p:nvPr/>
         </p:nvCxnSpPr>
         <p:spPr>
-          <a:xfrm rot="0">
+          <a:xfrm>
             <a:off x="1114425" y="2486660"/>
             <a:ext cx="1288415" cy="137795"/>
           </a:xfrm>
-          <a:prstGeom prst="bentConnector3"/>
+          <a:prstGeom prst="bentConnector3">
+            <a:avLst>
+              <a:gd name="adj1" fmla="val 50000"/>
+            </a:avLst>
+          </a:prstGeom>
           <a:ln w="12700" cap="flat" cmpd="sng">
             <a:solidFill>
-              <a:srgbClr val="545B64">
+              <a:srgbClr val="545b64">
                 <a:alpha val="100000"/>
               </a:srgbClr>
             </a:solidFill>
@@ -9748,7 +9530,7 @@
           <p:nvPr/>
         </p:nvCxnSpPr>
         <p:spPr>
-          <a:xfrm rot="0" flipV="1">
+          <a:xfrm flipV="1">
             <a:off x="2762250" y="1914525"/>
             <a:ext cx="1202690" cy="710565"/>
           </a:xfrm>
@@ -9759,7 +9541,7 @@
           </a:prstGeom>
           <a:ln w="12700" cap="flat" cmpd="sng">
             <a:solidFill>
-              <a:srgbClr val="545B64">
+              <a:srgbClr val="545b64">
                 <a:alpha val="100000"/>
               </a:srgbClr>
             </a:solidFill>
@@ -9792,7 +9574,7 @@
           <p:nvPr/>
         </p:nvCxnSpPr>
         <p:spPr>
-          <a:xfrm rot="0" flipV="1">
+          <a:xfrm flipV="1">
             <a:off x="4323715" y="2983865"/>
             <a:ext cx="1350010" cy="1046480"/>
           </a:xfrm>
@@ -9803,7 +9585,7 @@
           </a:prstGeom>
           <a:ln w="12700" cap="flat" cmpd="sng">
             <a:solidFill>
-              <a:srgbClr val="545B64">
+              <a:srgbClr val="545b64">
                 <a:alpha val="100000"/>
               </a:srgbClr>
             </a:solidFill>
@@ -9836,14 +9618,16 @@
           <p:nvPr/>
         </p:nvCxnSpPr>
         <p:spPr>
-          <a:xfrm rot="0" flipV="1">
+          <a:xfrm flipV="1">
             <a:off x="4144010" y="3569970"/>
             <a:ext cx="6350" cy="280035"/>
           </a:xfrm>
-          <a:prstGeom prst="straightConnector1"/>
+          <a:prstGeom prst="straightConnector1">
+            <a:avLst/>
+          </a:prstGeom>
           <a:ln w="12700" cap="flat" cmpd="sng">
             <a:solidFill>
-              <a:srgbClr val="545B64">
+              <a:srgbClr val="545b64">
                 <a:alpha val="100000"/>
               </a:srgbClr>
             </a:solidFill>
@@ -9876,63 +9660,21 @@
           <p:nvPr/>
         </p:nvCxnSpPr>
         <p:spPr>
-          <a:xfrm rot="0" flipH="1" flipV="1">
+          <a:xfrm flipH="1" flipV="1">
             <a:off x="4144010" y="2094230"/>
             <a:ext cx="5715" cy="381635"/>
           </a:xfrm>
-          <a:prstGeom prst="straightConnector1"/>
+          <a:prstGeom prst="straightConnector1">
+            <a:avLst/>
+          </a:prstGeom>
           <a:ln w="12700" cap="flat" cmpd="sng">
             <a:solidFill>
-              <a:srgbClr val="545B64">
+              <a:srgbClr val="545b64">
                 <a:alpha val="100000"/>
               </a:srgbClr>
             </a:solidFill>
             <a:prstDash val="solid"/>
             <a:headEnd type="arrow" w="med" len="sm"/>
-          </a:ln>
-        </p:spPr>
-        <p:style>
-          <a:lnRef idx="1">
-            <a:schemeClr val="accent1"/>
-          </a:lnRef>
-          <a:fillRef idx="0">
-            <a:schemeClr val="accent1"/>
-          </a:fillRef>
-          <a:effectRef idx="0">
-            <a:schemeClr val="accent1"/>
-          </a:effectRef>
-          <a:fontRef idx="minor">
-            <a:schemeClr val="tx1"/>
-          </a:fontRef>
-        </p:style>
-      </p:cxnSp>
-      <p:cxnSp>
-        <p:nvCxnSpPr>
-          <p:cNvPr id="101" name="Rect 0"/>
-          <p:cNvCxnSpPr>
-            <a:stCxn id="33" idx="3"/>
-            <a:endCxn id="16" idx="1"/>
-          </p:cNvCxnSpPr>
-          <p:nvPr/>
-        </p:nvCxnSpPr>
-        <p:spPr>
-          <a:xfrm rot="0" flipV="1">
-            <a:off x="5673090" y="5066030"/>
-            <a:ext cx="1165860" cy="473075"/>
-          </a:xfrm>
-          <a:prstGeom prst="bentConnector3">
-            <a:avLst>
-              <a:gd name="adj1" fmla="val 73702"/>
-            </a:avLst>
-          </a:prstGeom>
-          <a:ln w="12700" cap="flat" cmpd="sng">
-            <a:solidFill>
-              <a:srgbClr val="545B64">
-                <a:alpha val="100000"/>
-              </a:srgbClr>
-            </a:solidFill>
-            <a:prstDash val="solid"/>
-            <a:tailEnd type="arrow" w="med" len="sm"/>
           </a:ln>
         </p:spPr>
         <p:style>
@@ -9960,18 +9702,18 @@
           <p:nvPr/>
         </p:nvCxnSpPr>
         <p:spPr>
-          <a:xfrm rot="0">
-            <a:off x="5673090" y="5539105"/>
-            <a:ext cx="1169670" cy="213995"/>
+          <a:xfrm>
+            <a:off x="5673725" y="5539105"/>
+            <a:ext cx="1197610" cy="1588"/>
           </a:xfrm>
           <a:prstGeom prst="bentConnector3">
             <a:avLst>
-              <a:gd name="adj1" fmla="val 73631"/>
+              <a:gd name="adj1" fmla="val 50000"/>
             </a:avLst>
           </a:prstGeom>
           <a:ln w="12700" cap="flat" cmpd="sng">
             <a:solidFill>
-              <a:srgbClr val="545B64">
+              <a:srgbClr val="545b64">
                 <a:alpha val="100000"/>
               </a:srgbClr>
             </a:solidFill>
@@ -10015,7 +9757,7 @@
           </a:prstGeom>
           <a:ln w="12700" cap="flat" cmpd="sng">
             <a:solidFill>
-              <a:srgbClr val="545B64">
+              <a:srgbClr val="545b64">
                 <a:alpha val="100000"/>
               </a:srgbClr>
             </a:solidFill>
@@ -10059,7 +9801,7 @@
           </a:prstGeom>
           <a:ln w="12700" cap="flat" cmpd="sng">
             <a:solidFill>
-              <a:srgbClr val="545B64">
+              <a:srgbClr val="545b64">
                 <a:alpha val="100000"/>
               </a:srgbClr>
             </a:solidFill>
@@ -10092,14 +9834,16 @@
           <p:nvPr/>
         </p:nvCxnSpPr>
         <p:spPr>
-          <a:xfrm rot="0" flipV="1">
+          <a:xfrm flipV="1">
             <a:off x="10088245" y="2933700"/>
             <a:ext cx="635" cy="259080"/>
           </a:xfrm>
-          <a:prstGeom prst="straightConnector1"/>
+          <a:prstGeom prst="straightConnector1">
+            <a:avLst/>
+          </a:prstGeom>
           <a:ln w="12700" cap="flat" cmpd="sng">
             <a:solidFill>
-              <a:srgbClr val="545B64">
+              <a:srgbClr val="545b64">
                 <a:alpha val="100000"/>
               </a:srgbClr>
             </a:solidFill>
@@ -10129,10 +9873,10 @@
   </p:clrMapOvr>
   <mc:AlternateContent xmlns:mc="http://schemas.openxmlformats.org/markup-compatibility/2006">
     <mc:Choice xmlns:p14="http://schemas.microsoft.com/office/powerpoint/2010/main" Requires="p14">
-      <p:transition spd="slow" p14:dur="2000"/>
+      <p:transition xmlns:mc="http://schemas.openxmlformats.org/markup-compatibility/2006" xmlns:p14="http://schemas.microsoft.com/office/powerpoint/2010/main" spd="med" mc:Ignorable="p14" p14:dur="2000"/>
     </mc:Choice>
     <mc:Fallback>
-      <p:transition spd="slow"/>
+      <p:transition/>
     </mc:Fallback>
   </mc:AlternateContent>
   <p:timing>
